--- a/lecture1/presentation/lecture01.pptx
+++ b/lecture1/presentation/lecture01.pptx
@@ -246,7 +246,7 @@
           <a:p>
             <a:fld id="{5262778F-E781-3C45-9D29-B7BE6E4A4889}" type="datetimeFigureOut">
               <a:rPr lang="ru-RU" smtClean="0"/>
-              <a:t>19.09.2016</a:t>
+              <a:t>20.09.2016</a:t>
             </a:fld>
             <a:endParaRPr lang="ru-RU"/>
           </a:p>
@@ -412,7 +412,7 @@
           <a:p>
             <a:fld id="{E0286FC7-3C26-3948-9F5E-609DA379BAB4}" type="datetimeFigureOut">
               <a:rPr lang="ru-RU" smtClean="0"/>
-              <a:t>19.09.2016</a:t>
+              <a:t>20.09.2016</a:t>
             </a:fld>
             <a:endParaRPr lang="ru-RU"/>
           </a:p>
@@ -862,7 +862,7 @@
           <a:p>
             <a:fld id="{888B0A16-ED08-0049-A671-2501953270AE}" type="datetime1">
               <a:rPr lang="ru-RU" smtClean="0"/>
-              <a:t>19.09.2016</a:t>
+              <a:t>20.09.2016</a:t>
             </a:fld>
             <a:endParaRPr lang="ru-RU"/>
           </a:p>
@@ -1032,7 +1032,7 @@
           <a:p>
             <a:fld id="{108C61CC-BED9-204F-907C-F7A8D24460D9}" type="datetime1">
               <a:rPr lang="ru-RU" smtClean="0"/>
-              <a:t>19.09.2016</a:t>
+              <a:t>20.09.2016</a:t>
             </a:fld>
             <a:endParaRPr lang="ru-RU"/>
           </a:p>
@@ -1212,7 +1212,7 @@
           <a:p>
             <a:fld id="{3A937092-7FBF-E644-9FBA-0C5A9BAC1752}" type="datetime1">
               <a:rPr lang="ru-RU" smtClean="0"/>
-              <a:t>19.09.2016</a:t>
+              <a:t>20.09.2016</a:t>
             </a:fld>
             <a:endParaRPr lang="ru-RU"/>
           </a:p>
@@ -1382,7 +1382,7 @@
           <a:p>
             <a:fld id="{EB83C08A-E84B-9549-BA92-4E7F2CC65073}" type="datetime1">
               <a:rPr lang="ru-RU" smtClean="0"/>
-              <a:t>19.09.2016</a:t>
+              <a:t>20.09.2016</a:t>
             </a:fld>
             <a:endParaRPr lang="ru-RU"/>
           </a:p>
@@ -1628,7 +1628,7 @@
           <a:p>
             <a:fld id="{1E58BFAA-8E48-904C-B745-28743F7304EC}" type="datetime1">
               <a:rPr lang="ru-RU" smtClean="0"/>
-              <a:t>19.09.2016</a:t>
+              <a:t>20.09.2016</a:t>
             </a:fld>
             <a:endParaRPr lang="ru-RU"/>
           </a:p>
@@ -1916,7 +1916,7 @@
           <a:p>
             <a:fld id="{FA29FD9F-765E-9842-A3DB-D6E54267AA18}" type="datetime1">
               <a:rPr lang="ru-RU" smtClean="0"/>
-              <a:t>19.09.2016</a:t>
+              <a:t>20.09.2016</a:t>
             </a:fld>
             <a:endParaRPr lang="ru-RU"/>
           </a:p>
@@ -2338,7 +2338,7 @@
           <a:p>
             <a:fld id="{9994DD76-862C-1A40-B919-E9CF6F252A82}" type="datetime1">
               <a:rPr lang="ru-RU" smtClean="0"/>
-              <a:t>19.09.2016</a:t>
+              <a:t>20.09.2016</a:t>
             </a:fld>
             <a:endParaRPr lang="ru-RU"/>
           </a:p>
@@ -2456,7 +2456,7 @@
           <a:p>
             <a:fld id="{31E71BD3-03B9-2743-BCC1-F07192CD7D21}" type="datetime1">
               <a:rPr lang="ru-RU" smtClean="0"/>
-              <a:t>19.09.2016</a:t>
+              <a:t>20.09.2016</a:t>
             </a:fld>
             <a:endParaRPr lang="ru-RU"/>
           </a:p>
@@ -2551,7 +2551,7 @@
           <a:p>
             <a:fld id="{F8283EFE-D04C-BB44-86D6-AFA6C99EEBDA}" type="datetime1">
               <a:rPr lang="ru-RU" smtClean="0"/>
-              <a:t>19.09.2016</a:t>
+              <a:t>20.09.2016</a:t>
             </a:fld>
             <a:endParaRPr lang="ru-RU"/>
           </a:p>
@@ -2828,7 +2828,7 @@
           <a:p>
             <a:fld id="{B3FBF733-F508-F940-B88B-43CA13B396BE}" type="datetime1">
               <a:rPr lang="ru-RU" smtClean="0"/>
-              <a:t>19.09.2016</a:t>
+              <a:t>20.09.2016</a:t>
             </a:fld>
             <a:endParaRPr lang="ru-RU"/>
           </a:p>
@@ -3081,7 +3081,7 @@
           <a:p>
             <a:fld id="{570E404F-2DD9-5C42-BDE7-F2E4EAED2FEA}" type="datetime1">
               <a:rPr lang="ru-RU" smtClean="0"/>
-              <a:t>19.09.2016</a:t>
+              <a:t>20.09.2016</a:t>
             </a:fld>
             <a:endParaRPr lang="ru-RU"/>
           </a:p>
@@ -3294,7 +3294,7 @@
           <a:p>
             <a:fld id="{D10C5775-658B-4548-B588-F2E808ACFC46}" type="datetime1">
               <a:rPr lang="ru-RU" smtClean="0"/>
-              <a:t>19.09.2016</a:t>
+              <a:t>20.09.2016</a:t>
             </a:fld>
             <a:endParaRPr lang="ru-RU"/>
           </a:p>
@@ -3929,185 +3929,40 @@
           </a:p>
         </p:txBody>
       </p:sp>
-      <p:sp>
-        <p:nvSpPr>
-          <p:cNvPr id="7" name="Прямоугольник 6"/>
-          <p:cNvSpPr/>
+      <p:pic>
+        <p:nvPicPr>
+          <p:cNvPr id="3" name="Рисунок 2"/>
+          <p:cNvPicPr>
+            <a:picLocks noChangeAspect="1"/>
+          </p:cNvPicPr>
           <p:nvPr/>
-        </p:nvSpPr>
+        </p:nvPicPr>
+        <p:blipFill>
+          <a:blip r:embed="rId3"/>
+          <a:stretch>
+            <a:fillRect/>
+          </a:stretch>
+        </p:blipFill>
         <p:spPr>
           <a:xfrm>
-            <a:off x="523604" y="1303785"/>
-            <a:ext cx="8046123" cy="3190360"/>
-          </a:xfrm>
-          <a:prstGeom prst="rect">
-            <a:avLst/>
-          </a:prstGeom>
-          <a:solidFill>
-            <a:srgbClr val="92D050"/>
-          </a:solidFill>
-        </p:spPr>
-        <p:style>
-          <a:lnRef idx="2">
-            <a:schemeClr val="accent6"/>
-          </a:lnRef>
-          <a:fillRef idx="1">
-            <a:schemeClr val="lt1"/>
-          </a:fillRef>
-          <a:effectRef idx="0">
-            <a:schemeClr val="accent6"/>
-          </a:effectRef>
-          <a:fontRef idx="minor">
-            <a:schemeClr val="dk1"/>
-          </a:fontRef>
-        </p:style>
-        <p:txBody>
-          <a:bodyPr rtlCol="0" anchor="ctr"/>
-          <a:lstStyle/>
-          <a:p>
-            <a:pPr algn="ctr"/>
-            <a:endParaRPr lang="ru-RU" dirty="0">
-              <a:latin typeface="+mj-lt"/>
-            </a:endParaRPr>
-          </a:p>
-        </p:txBody>
-      </p:sp>
-      <p:sp>
-        <p:nvSpPr>
-          <p:cNvPr id="8" name="Прямоугольник 7"/>
-          <p:cNvSpPr/>
-          <p:nvPr/>
-        </p:nvSpPr>
-        <p:spPr>
-          <a:xfrm>
-            <a:off x="5417348" y="1719066"/>
-            <a:ext cx="2952099" cy="2660548"/>
+            <a:off x="2363256" y="959463"/>
+            <a:ext cx="5952881" cy="4055451"/>
           </a:xfrm>
           <a:prstGeom prst="rect">
             <a:avLst/>
           </a:prstGeom>
         </p:spPr>
-        <p:style>
-          <a:lnRef idx="2">
-            <a:schemeClr val="accent1">
-              <a:shade val="50000"/>
-            </a:schemeClr>
-          </a:lnRef>
-          <a:fillRef idx="1">
-            <a:schemeClr val="accent1"/>
-          </a:fillRef>
-          <a:effectRef idx="0">
-            <a:schemeClr val="accent1"/>
-          </a:effectRef>
-          <a:fontRef idx="minor">
-            <a:schemeClr val="lt1"/>
-          </a:fontRef>
-        </p:style>
-        <p:txBody>
-          <a:bodyPr rtlCol="0" anchor="ctr"/>
-          <a:lstStyle/>
-          <a:p>
-            <a:pPr algn="ctr"/>
-            <a:endParaRPr lang="ru-RU" dirty="0">
-              <a:latin typeface="+mj-lt"/>
-            </a:endParaRPr>
-          </a:p>
-        </p:txBody>
-      </p:sp>
+      </p:pic>
       <p:sp>
         <p:nvSpPr>
-          <p:cNvPr id="9" name="Прямоугольник 8"/>
-          <p:cNvSpPr/>
-          <p:nvPr/>
-        </p:nvSpPr>
-        <p:spPr>
-          <a:xfrm>
-            <a:off x="646749" y="1757270"/>
-            <a:ext cx="3837790" cy="2660547"/>
-          </a:xfrm>
-          <a:prstGeom prst="rect">
-            <a:avLst/>
-          </a:prstGeom>
-        </p:spPr>
-        <p:style>
-          <a:lnRef idx="2">
-            <a:schemeClr val="accent3">
-              <a:shade val="50000"/>
-            </a:schemeClr>
-          </a:lnRef>
-          <a:fillRef idx="1">
-            <a:schemeClr val="accent3"/>
-          </a:fillRef>
-          <a:effectRef idx="0">
-            <a:schemeClr val="accent3"/>
-          </a:effectRef>
-          <a:fontRef idx="minor">
-            <a:schemeClr val="lt1"/>
-          </a:fontRef>
-        </p:style>
-        <p:txBody>
-          <a:bodyPr rtlCol="0" anchor="ctr"/>
-          <a:lstStyle/>
-          <a:p>
-            <a:pPr algn="ctr"/>
-            <a:endParaRPr lang="ru-RU" dirty="0">
-              <a:latin typeface="+mj-lt"/>
-            </a:endParaRPr>
-          </a:p>
-        </p:txBody>
-      </p:sp>
-      <p:sp>
-        <p:nvSpPr>
-          <p:cNvPr id="10" name="Плюс 9"/>
-          <p:cNvSpPr/>
-          <p:nvPr/>
-        </p:nvSpPr>
-        <p:spPr>
-          <a:xfrm>
-            <a:off x="4533206" y="3049340"/>
-            <a:ext cx="673950" cy="573489"/>
-          </a:xfrm>
-          <a:prstGeom prst="mathPlus">
-            <a:avLst/>
-          </a:prstGeom>
-        </p:spPr>
-        <p:style>
-          <a:lnRef idx="2">
-            <a:schemeClr val="accent1">
-              <a:shade val="50000"/>
-            </a:schemeClr>
-          </a:lnRef>
-          <a:fillRef idx="1">
-            <a:schemeClr val="accent1"/>
-          </a:fillRef>
-          <a:effectRef idx="0">
-            <a:schemeClr val="accent1"/>
-          </a:effectRef>
-          <a:fontRef idx="minor">
-            <a:schemeClr val="lt1"/>
-          </a:fontRef>
-        </p:style>
-        <p:txBody>
-          <a:bodyPr rtlCol="0" anchor="ctr"/>
-          <a:lstStyle/>
-          <a:p>
-            <a:pPr algn="ctr"/>
-            <a:endParaRPr lang="ru-RU">
-              <a:latin typeface="+mj-lt"/>
-            </a:endParaRPr>
-          </a:p>
-        </p:txBody>
-      </p:sp>
-      <p:sp>
-        <p:nvSpPr>
-          <p:cNvPr id="11" name="TextBox 10"/>
+          <p:cNvPr id="5" name="TextBox 4"/>
           <p:cNvSpPr txBox="1"/>
           <p:nvPr/>
         </p:nvSpPr>
         <p:spPr>
           <a:xfrm>
-            <a:off x="2123323" y="1921999"/>
-            <a:ext cx="907922" cy="523220"/>
+            <a:off x="87235" y="1168400"/>
+            <a:ext cx="2442015" cy="400110"/>
           </a:xfrm>
           <a:prstGeom prst="rect">
             <a:avLst/>
@@ -4115,117 +3970,53 @@
           <a:noFill/>
         </p:spPr>
         <p:txBody>
-          <a:bodyPr wrap="square" rtlCol="0">
+          <a:bodyPr wrap="none" rtlCol="0">
             <a:spAutoFit/>
           </a:bodyPr>
           <a:lstStyle/>
           <a:p>
             <a:r>
-              <a:rPr lang="en-US" sz="2800" b="1" dirty="0" smtClean="0">
-                <a:latin typeface="+mj-lt"/>
-                <a:cs typeface="Arial" panose="020B0604020202020204" pitchFamily="34" charset="0"/>
-              </a:rPr>
-              <a:t>JRE</a:t>
-            </a:r>
-            <a:endParaRPr lang="ru-RU" sz="2800" b="1" dirty="0">
-              <a:latin typeface="+mj-lt"/>
-              <a:cs typeface="Arial" panose="020B0604020202020204" pitchFamily="34" charset="0"/>
+              <a:rPr lang="en-US" sz="2000" dirty="0" smtClean="0">
+                <a:solidFill>
+                  <a:schemeClr val="accent4"/>
+                </a:solidFill>
+              </a:rPr>
+              <a:t>JRE = JVM + </a:t>
+            </a:r>
+            <a:r>
+              <a:rPr lang="en-US" sz="2000" dirty="0" err="1" smtClean="0">
+                <a:solidFill>
+                  <a:schemeClr val="accent4"/>
+                </a:solidFill>
+              </a:rPr>
+              <a:t>lang</a:t>
+            </a:r>
+            <a:r>
+              <a:rPr lang="en-US" sz="2000" dirty="0" smtClean="0">
+                <a:solidFill>
+                  <a:schemeClr val="accent4"/>
+                </a:solidFill>
+              </a:rPr>
+              <a:t> +libs</a:t>
+            </a:r>
+            <a:endParaRPr lang="ru-RU" sz="2000" dirty="0">
+              <a:solidFill>
+                <a:schemeClr val="accent4"/>
+              </a:solidFill>
             </a:endParaRPr>
           </a:p>
         </p:txBody>
       </p:sp>
       <p:sp>
         <p:nvSpPr>
-          <p:cNvPr id="12" name="Прямоугольник 11"/>
-          <p:cNvSpPr/>
-          <p:nvPr/>
-        </p:nvSpPr>
-        <p:spPr>
-          <a:xfrm>
-            <a:off x="744461" y="2572043"/>
-            <a:ext cx="1720388" cy="1580844"/>
-          </a:xfrm>
-          <a:prstGeom prst="rect">
-            <a:avLst/>
-          </a:prstGeom>
-        </p:spPr>
-        <p:style>
-          <a:lnRef idx="2">
-            <a:schemeClr val="accent4">
-              <a:shade val="50000"/>
-            </a:schemeClr>
-          </a:lnRef>
-          <a:fillRef idx="1">
-            <a:schemeClr val="accent4"/>
-          </a:fillRef>
-          <a:effectRef idx="0">
-            <a:schemeClr val="accent4"/>
-          </a:effectRef>
-          <a:fontRef idx="minor">
-            <a:schemeClr val="lt1"/>
-          </a:fontRef>
-        </p:style>
-        <p:txBody>
-          <a:bodyPr rtlCol="0" anchor="ctr"/>
-          <a:lstStyle/>
-          <a:p>
-            <a:pPr algn="ctr"/>
-            <a:endParaRPr lang="ru-RU">
-              <a:latin typeface="+mj-lt"/>
-            </a:endParaRPr>
-          </a:p>
-        </p:txBody>
-      </p:sp>
-      <p:sp>
-        <p:nvSpPr>
-          <p:cNvPr id="13" name="Прямоугольник 12"/>
-          <p:cNvSpPr/>
-          <p:nvPr/>
-        </p:nvSpPr>
-        <p:spPr>
-          <a:xfrm>
-            <a:off x="2820553" y="2548395"/>
-            <a:ext cx="1482180" cy="1580844"/>
-          </a:xfrm>
-          <a:prstGeom prst="rect">
-            <a:avLst/>
-          </a:prstGeom>
-        </p:spPr>
-        <p:style>
-          <a:lnRef idx="1">
-            <a:schemeClr val="accent5"/>
-          </a:lnRef>
-          <a:fillRef idx="3">
-            <a:schemeClr val="accent5"/>
-          </a:fillRef>
-          <a:effectRef idx="2">
-            <a:schemeClr val="accent5"/>
-          </a:effectRef>
-          <a:fontRef idx="minor">
-            <a:schemeClr val="lt1"/>
-          </a:fontRef>
-        </p:style>
-        <p:txBody>
-          <a:bodyPr rtlCol="0" anchor="ctr"/>
-          <a:lstStyle/>
-          <a:p>
-            <a:pPr algn="ctr"/>
-            <a:endParaRPr lang="ru-RU">
-              <a:latin typeface="+mj-lt"/>
-            </a:endParaRPr>
-          </a:p>
-        </p:txBody>
-      </p:sp>
-      <p:sp>
-        <p:nvSpPr>
-          <p:cNvPr id="14" name="TextBox 13"/>
+          <p:cNvPr id="6" name="TextBox 5"/>
           <p:cNvSpPr txBox="1"/>
           <p:nvPr/>
         </p:nvSpPr>
         <p:spPr>
           <a:xfrm>
-            <a:off x="5603343" y="1821272"/>
-            <a:ext cx="2807708" cy="400110"/>
+            <a:off x="87235" y="1854200"/>
+            <a:ext cx="1735732" cy="369332"/>
           </a:xfrm>
           <a:prstGeom prst="rect">
             <a:avLst/>
@@ -4233,221 +4024,23 @@
           <a:noFill/>
         </p:spPr>
         <p:txBody>
-          <a:bodyPr wrap="square" rtlCol="0">
+          <a:bodyPr wrap="none" rtlCol="0">
             <a:spAutoFit/>
           </a:bodyPr>
           <a:lstStyle/>
           <a:p>
             <a:r>
-              <a:rPr lang="ru-RU" sz="2000" dirty="0" smtClean="0">
-                <a:latin typeface="+mj-lt"/>
-                <a:cs typeface="Arial" panose="020B0604020202020204" pitchFamily="34" charset="0"/>
-              </a:rPr>
-              <a:t>Средства</a:t>
-            </a:r>
-            <a:r>
-              <a:rPr lang="ru-RU" sz="2000" dirty="0" smtClean="0">
-                <a:latin typeface="+mj-lt"/>
-              </a:rPr>
-              <a:t> </a:t>
-            </a:r>
-            <a:r>
-              <a:rPr lang="ru-RU" sz="2000" dirty="0" smtClean="0">
-                <a:latin typeface="+mj-lt"/>
-                <a:cs typeface="Arial" panose="020B0604020202020204" pitchFamily="34" charset="0"/>
-              </a:rPr>
-              <a:t>разработки</a:t>
-            </a:r>
-            <a:endParaRPr lang="ru-RU" sz="2000" dirty="0">
-              <a:latin typeface="+mj-lt"/>
-              <a:cs typeface="Arial" panose="020B0604020202020204" pitchFamily="34" charset="0"/>
-            </a:endParaRPr>
-          </a:p>
-        </p:txBody>
-      </p:sp>
-      <p:sp>
-        <p:nvSpPr>
-          <p:cNvPr id="15" name="TextBox 14"/>
-          <p:cNvSpPr txBox="1"/>
-          <p:nvPr/>
-        </p:nvSpPr>
-        <p:spPr>
-          <a:xfrm>
-            <a:off x="5985309" y="2323588"/>
-            <a:ext cx="1816175" cy="1200329"/>
-          </a:xfrm>
-          <a:prstGeom prst="rect">
-            <a:avLst/>
-          </a:prstGeom>
-          <a:noFill/>
-        </p:spPr>
-        <p:txBody>
-          <a:bodyPr wrap="square" rtlCol="0">
-            <a:spAutoFit/>
-          </a:bodyPr>
-          <a:lstStyle/>
-          <a:p>
-            <a:pPr marL="285750" indent="-285750">
-              <a:buFont typeface="Arial" panose="020B0604020202020204" pitchFamily="34" charset="0"/>
-              <a:buChar char="•"/>
-            </a:pPr>
-            <a:r>
-              <a:rPr lang="ru-RU" dirty="0" smtClean="0">
-                <a:latin typeface="+mj-lt"/>
-                <a:cs typeface="Arial" panose="020B0604020202020204" pitchFamily="34" charset="0"/>
-              </a:rPr>
-              <a:t>Компилятор</a:t>
-            </a:r>
-          </a:p>
-          <a:p>
-            <a:pPr marL="285750" indent="-285750">
-              <a:buFont typeface="Arial" panose="020B0604020202020204" pitchFamily="34" charset="0"/>
-              <a:buChar char="•"/>
-            </a:pPr>
-            <a:r>
-              <a:rPr lang="ru-RU" dirty="0" err="1" smtClean="0">
-                <a:latin typeface="+mj-lt"/>
-                <a:cs typeface="Arial" panose="020B0604020202020204" pitchFamily="34" charset="0"/>
-              </a:rPr>
-              <a:t>Дебаггер</a:t>
-            </a:r>
-            <a:endParaRPr lang="ru-RU" dirty="0" smtClean="0">
-              <a:latin typeface="+mj-lt"/>
-              <a:cs typeface="Arial" panose="020B0604020202020204" pitchFamily="34" charset="0"/>
-            </a:endParaRPr>
-          </a:p>
-          <a:p>
-            <a:pPr marL="285750" indent="-285750">
-              <a:buFont typeface="Arial" panose="020B0604020202020204" pitchFamily="34" charset="0"/>
-              <a:buChar char="•"/>
-            </a:pPr>
-            <a:r>
-              <a:rPr lang="ru-RU" dirty="0" smtClean="0">
-                <a:latin typeface="+mj-lt"/>
-                <a:cs typeface="Arial" panose="020B0604020202020204" pitchFamily="34" charset="0"/>
-              </a:rPr>
-              <a:t>Профайлер</a:t>
-            </a:r>
-          </a:p>
-          <a:p>
-            <a:pPr marL="285750" indent="-285750">
-              <a:buFont typeface="Arial" panose="020B0604020202020204" pitchFamily="34" charset="0"/>
-              <a:buChar char="•"/>
-            </a:pPr>
-            <a:r>
-              <a:rPr lang="ru-RU" dirty="0" smtClean="0">
-                <a:latin typeface="+mj-lt"/>
-              </a:rPr>
-              <a:t>…</a:t>
+              <a:rPr lang="en-US" dirty="0" smtClean="0">
+                <a:solidFill>
+                  <a:schemeClr val="accent4"/>
+                </a:solidFill>
+              </a:rPr>
+              <a:t>JDK = JRE + tools</a:t>
             </a:r>
             <a:endParaRPr lang="ru-RU" dirty="0">
-              <a:latin typeface="+mj-lt"/>
-            </a:endParaRPr>
-          </a:p>
-        </p:txBody>
-      </p:sp>
-      <p:sp>
-        <p:nvSpPr>
-          <p:cNvPr id="16" name="TextBox 15"/>
-          <p:cNvSpPr txBox="1"/>
-          <p:nvPr/>
-        </p:nvSpPr>
-        <p:spPr>
-          <a:xfrm>
-            <a:off x="2921478" y="3015651"/>
-            <a:ext cx="1452328" cy="646331"/>
-          </a:xfrm>
-          <a:prstGeom prst="rect">
-            <a:avLst/>
-          </a:prstGeom>
-          <a:noFill/>
-        </p:spPr>
-        <p:txBody>
-          <a:bodyPr wrap="square" rtlCol="0">
-            <a:spAutoFit/>
-          </a:bodyPr>
-          <a:lstStyle/>
-          <a:p>
-            <a:r>
-              <a:rPr lang="ru-RU" dirty="0" smtClean="0">
-                <a:latin typeface="+mj-lt"/>
-                <a:cs typeface="Arial" panose="020B0604020202020204" pitchFamily="34" charset="0"/>
-              </a:rPr>
-              <a:t>Системные библиотеки</a:t>
-            </a:r>
-            <a:endParaRPr lang="ru-RU" dirty="0">
-              <a:latin typeface="+mj-lt"/>
-              <a:cs typeface="Arial" panose="020B0604020202020204" pitchFamily="34" charset="0"/>
-            </a:endParaRPr>
-          </a:p>
-        </p:txBody>
-      </p:sp>
-      <p:sp>
-        <p:nvSpPr>
-          <p:cNvPr id="17" name="TextBox 16"/>
-          <p:cNvSpPr txBox="1"/>
-          <p:nvPr/>
-        </p:nvSpPr>
-        <p:spPr>
-          <a:xfrm>
-            <a:off x="1130103" y="3100855"/>
-            <a:ext cx="949103" cy="523220"/>
-          </a:xfrm>
-          <a:prstGeom prst="rect">
-            <a:avLst/>
-          </a:prstGeom>
-          <a:noFill/>
-        </p:spPr>
-        <p:txBody>
-          <a:bodyPr wrap="square" rtlCol="0">
-            <a:spAutoFit/>
-          </a:bodyPr>
-          <a:lstStyle/>
-          <a:p>
-            <a:r>
-              <a:rPr lang="en-US" sz="2800" b="1" dirty="0" smtClean="0">
-                <a:latin typeface="+mj-lt"/>
-                <a:cs typeface="Arial" panose="020B0604020202020204" pitchFamily="34" charset="0"/>
-              </a:rPr>
-              <a:t>JVM</a:t>
-            </a:r>
-            <a:endParaRPr lang="ru-RU" sz="2800" b="1" dirty="0">
-              <a:latin typeface="+mj-lt"/>
-              <a:cs typeface="Arial" panose="020B0604020202020204" pitchFamily="34" charset="0"/>
-            </a:endParaRPr>
-          </a:p>
-        </p:txBody>
-      </p:sp>
-      <p:sp>
-        <p:nvSpPr>
-          <p:cNvPr id="18" name="TextBox 17"/>
-          <p:cNvSpPr txBox="1"/>
-          <p:nvPr/>
-        </p:nvSpPr>
-        <p:spPr>
-          <a:xfrm>
-            <a:off x="3929972" y="1234050"/>
-            <a:ext cx="1033107" cy="584775"/>
-          </a:xfrm>
-          <a:prstGeom prst="rect">
-            <a:avLst/>
-          </a:prstGeom>
-          <a:noFill/>
-        </p:spPr>
-        <p:txBody>
-          <a:bodyPr wrap="square" rtlCol="0">
-            <a:spAutoFit/>
-          </a:bodyPr>
-          <a:lstStyle/>
-          <a:p>
-            <a:r>
-              <a:rPr lang="en-US" sz="3200" b="1" dirty="0" smtClean="0">
-                <a:latin typeface="+mj-lt"/>
-              </a:rPr>
-              <a:t>JDK</a:t>
-            </a:r>
-            <a:endParaRPr lang="ru-RU" sz="3200" b="1" dirty="0">
-              <a:latin typeface="+mj-lt"/>
+              <a:solidFill>
+                <a:schemeClr val="accent4"/>
+              </a:solidFill>
             </a:endParaRPr>
           </a:p>
         </p:txBody>
@@ -5557,7 +5150,7 @@
             <a:r>
               <a:rPr lang="ru-RU" sz="2400" dirty="0">
                 <a:solidFill>
-                  <a:schemeClr val="accent6"/>
+                  <a:srgbClr val="7030A0"/>
                 </a:solidFill>
                 <a:latin typeface="+mj-lt"/>
                 <a:cs typeface="HelveticaNeueCyr-Roman"/>
@@ -5576,10 +5169,6 @@
               </a:rPr>
               <a:t>Классы </a:t>
             </a:r>
-            <a:endParaRPr lang="ru-RU" sz="2400" dirty="0">
-              <a:latin typeface="+mj-lt"/>
-              <a:cs typeface="HelveticaNeueCyr-Roman"/>
-            </a:endParaRPr>
           </a:p>
         </p:txBody>
       </p:sp>
@@ -5703,7 +5292,7 @@
         <p:spPr>
           <a:xfrm>
             <a:off x="230766" y="1316539"/>
-            <a:ext cx="6431617" cy="646331"/>
+            <a:ext cx="6431617" cy="707886"/>
           </a:xfrm>
           <a:prstGeom prst="rect">
             <a:avLst/>
@@ -5716,31 +5305,47 @@
           </a:bodyPr>
           <a:lstStyle/>
           <a:p>
-            <a:pPr marL="285750" indent="-285750">
+            <a:pPr marL="342900" indent="-342900">
               <a:buFont typeface="Arial" panose="020B0604020202020204" pitchFamily="34" charset="0"/>
               <a:buChar char="•"/>
             </a:pPr>
             <a:r>
-              <a:rPr lang="ru-RU" dirty="0">
+              <a:rPr lang="en-US" sz="2000" dirty="0" smtClean="0">
+                <a:solidFill>
+                  <a:srgbClr val="7030A0"/>
+                </a:solidFill>
                 <a:latin typeface="+mj-lt"/>
                 <a:cs typeface="HelveticaNeueCyr-Roman"/>
               </a:rPr>
-              <a:t>Примитивные типы</a:t>
-            </a:r>
-          </a:p>
-          <a:p>
-            <a:pPr marL="285750" indent="-285750">
+              <a:t>Primitive types</a:t>
+            </a:r>
+            <a:endParaRPr lang="en-US" sz="2000" dirty="0">
+              <a:solidFill>
+                <a:srgbClr val="7030A0"/>
+              </a:solidFill>
+              <a:latin typeface="+mj-lt"/>
+              <a:cs typeface="HelveticaNeueCyr-Roman"/>
+            </a:endParaRPr>
+          </a:p>
+          <a:p>
+            <a:pPr marL="342900" indent="-342900">
               <a:buFont typeface="Arial" panose="020B0604020202020204" pitchFamily="34" charset="0"/>
               <a:buChar char="•"/>
             </a:pPr>
             <a:r>
-              <a:rPr lang="ru-RU" dirty="0">
+              <a:rPr lang="en-US" sz="2000" dirty="0" smtClean="0">
+                <a:solidFill>
+                  <a:srgbClr val="7030A0"/>
+                </a:solidFill>
                 <a:latin typeface="+mj-lt"/>
                 <a:cs typeface="HelveticaNeueCyr-Roman"/>
               </a:rPr>
-              <a:t>Ссылочные типы</a:t>
-            </a:r>
-            <a:endParaRPr lang="ru-RU" dirty="0">
+              <a:t>Reference types</a:t>
+            </a:r>
+            <a:endParaRPr lang="ru-RU" sz="2000" dirty="0">
+              <a:solidFill>
+                <a:srgbClr val="7030A0"/>
+              </a:solidFill>
               <a:latin typeface="+mj-lt"/>
               <a:cs typeface="HelveticaNeueCyr-Roman"/>
             </a:endParaRPr>
@@ -5775,8 +5380,8 @@
           </a:p>
         </p:txBody>
       </p:sp>
-      <mc:AlternateContent xmlns:mc="http://schemas.openxmlformats.org/markup-compatibility/2006">
-        <mc:Choice xmlns:a14="http://schemas.microsoft.com/office/drawing/2010/main" Requires="a14">
+      <mc:AlternateContent xmlns:mc="http://schemas.openxmlformats.org/markup-compatibility/2006" xmlns:a14="http://schemas.microsoft.com/office/drawing/2010/main">
+        <mc:Choice Requires="a14">
           <p:graphicFrame>
             <p:nvGraphicFramePr>
               <p:cNvPr id="6" name="Таблица 5"/>
@@ -6512,7 +6117,7 @@
             </a:graphic>
           </p:graphicFrame>
         </mc:Choice>
-        <mc:Fallback>
+        <mc:Fallback xmlns="">
           <p:graphicFrame>
             <p:nvGraphicFramePr>
               <p:cNvPr id="6" name="Таблица 5"/>
@@ -8520,13 +8125,24 @@
             <a:r>
               <a:rPr lang="en-US" sz="1600" dirty="0" smtClean="0">
                 <a:solidFill>
-                  <a:prstClr val="black"/>
+                  <a:srgbClr val="7030A0"/>
                 </a:solidFill>
                 <a:latin typeface="PT Mono" panose="02060509020205020204" pitchFamily="49" charset="-52"/>
                 <a:ea typeface="PT Mono" panose="02060509020205020204" pitchFamily="49" charset="-52"/>
                 <a:sym typeface="Wingdings" panose="05000000000000000000" pitchFamily="2" charset="2"/>
               </a:rPr>
-              <a:t> </a:t>
+              <a:t></a:t>
+            </a:r>
+            <a:r>
+              <a:rPr lang="en-US" sz="1600" dirty="0" smtClean="0">
+                <a:solidFill>
+                  <a:prstClr val="black"/>
+                </a:solidFill>
+                <a:latin typeface="PT Mono" panose="02060509020205020204" pitchFamily="49" charset="-52"/>
+                <a:ea typeface="PT Mono" panose="02060509020205020204" pitchFamily="49" charset="-52"/>
+                <a:sym typeface="Wingdings" panose="05000000000000000000" pitchFamily="2" charset="2"/>
+              </a:rPr>
+              <a:t> </a:t>
             </a:r>
             <a:r>
               <a:rPr lang="ru-RU" sz="1600" dirty="0" smtClean="0">
@@ -8536,17 +8152,7 @@
                 <a:latin typeface="PT Mono" panose="02060509020205020204" pitchFamily="49" charset="-52"/>
                 <a:ea typeface="PT Mono" panose="02060509020205020204" pitchFamily="49" charset="-52"/>
               </a:rPr>
-              <a:t>начало </a:t>
-            </a:r>
-            <a:r>
-              <a:rPr lang="ru-RU" sz="1600" dirty="0" smtClean="0">
-                <a:solidFill>
-                  <a:prstClr val="black"/>
-                </a:solidFill>
-                <a:latin typeface="PT Mono" panose="02060509020205020204" pitchFamily="49" charset="-52"/>
-                <a:ea typeface="PT Mono" panose="02060509020205020204" pitchFamily="49" charset="-52"/>
-              </a:rPr>
-              <a:t>блока</a:t>
+              <a:t>начало блока</a:t>
             </a:r>
             <a:endParaRPr lang="en-US" sz="1600" dirty="0" smtClean="0">
               <a:solidFill>
@@ -8614,7 +8220,17 @@
                 <a:latin typeface="PT Mono" panose="02060509020205020204" pitchFamily="49" charset="-52"/>
                 <a:ea typeface="PT Mono" panose="02060509020205020204" pitchFamily="49" charset="-52"/>
               </a:rPr>
-              <a:t> </a:t>
+              <a:t> = </a:t>
+            </a:r>
+            <a:r>
+              <a:rPr lang="en-US" sz="1600" dirty="0" err="1" smtClean="0">
+                <a:solidFill>
+                  <a:prstClr val="black"/>
+                </a:solidFill>
+                <a:latin typeface="PT Mono" panose="02060509020205020204" pitchFamily="49" charset="-52"/>
+                <a:ea typeface="PT Mono" panose="02060509020205020204" pitchFamily="49" charset="-52"/>
+              </a:rPr>
+              <a:t>commonVariable</a:t>
             </a:r>
             <a:r>
               <a:rPr lang="en-US" sz="1600" dirty="0" smtClean="0">
@@ -8624,37 +8240,7 @@
                 <a:latin typeface="PT Mono" panose="02060509020205020204" pitchFamily="49" charset="-52"/>
                 <a:ea typeface="PT Mono" panose="02060509020205020204" pitchFamily="49" charset="-52"/>
               </a:rPr>
-              <a:t>= </a:t>
-            </a:r>
-            <a:r>
-              <a:rPr lang="en-US" sz="1600" dirty="0" err="1" smtClean="0">
-                <a:solidFill>
-                  <a:prstClr val="black"/>
-                </a:solidFill>
-                <a:latin typeface="PT Mono" panose="02060509020205020204" pitchFamily="49" charset="-52"/>
-                <a:ea typeface="PT Mono" panose="02060509020205020204" pitchFamily="49" charset="-52"/>
-              </a:rPr>
-              <a:t>commonVariable</a:t>
-            </a:r>
-            <a:r>
-              <a:rPr lang="en-US" sz="1600" dirty="0" smtClean="0">
-                <a:solidFill>
-                  <a:prstClr val="black"/>
-                </a:solidFill>
-                <a:latin typeface="PT Mono" panose="02060509020205020204" pitchFamily="49" charset="-52"/>
-                <a:ea typeface="PT Mono" panose="02060509020205020204" pitchFamily="49" charset="-52"/>
-              </a:rPr>
-              <a:t> </a:t>
-            </a:r>
-            <a:r>
-              <a:rPr lang="en-US" sz="1600" dirty="0" smtClean="0">
-                <a:solidFill>
-                  <a:prstClr val="black"/>
-                </a:solidFill>
-                <a:latin typeface="PT Mono" panose="02060509020205020204" pitchFamily="49" charset="-52"/>
-                <a:ea typeface="PT Mono" panose="02060509020205020204" pitchFamily="49" charset="-52"/>
-              </a:rPr>
-              <a:t>+ 1;</a:t>
+              <a:t> + 1;</a:t>
             </a:r>
           </a:p>
           <a:p>
@@ -8725,27 +8311,7 @@
                 <a:latin typeface="PT Mono" panose="02060509020205020204" pitchFamily="49" charset="-52"/>
                 <a:ea typeface="PT Mono" panose="02060509020205020204" pitchFamily="49" charset="-52"/>
               </a:rPr>
-              <a:t>“Inner variable is </a:t>
-            </a:r>
-            <a:r>
-              <a:rPr lang="en-US" sz="1600" b="1" dirty="0" smtClean="0">
-                <a:solidFill>
-                  <a:prstClr val="black"/>
-                </a:solidFill>
-                <a:latin typeface="PT Mono" panose="02060509020205020204" pitchFamily="49" charset="-52"/>
-                <a:ea typeface="PT Mono" panose="02060509020205020204" pitchFamily="49" charset="-52"/>
-              </a:rPr>
-              <a:t>%</a:t>
-            </a:r>
-            <a:r>
-              <a:rPr lang="en-US" sz="1600" b="1" dirty="0" smtClean="0">
-                <a:solidFill>
-                  <a:prstClr val="black"/>
-                </a:solidFill>
-                <a:latin typeface="PT Mono" panose="02060509020205020204" pitchFamily="49" charset="-52"/>
-                <a:ea typeface="PT Mono" panose="02060509020205020204" pitchFamily="49" charset="-52"/>
-              </a:rPr>
-              <a:t>d“,</a:t>
+              <a:t>“Inner variable is %d“,</a:t>
             </a:r>
             <a:r>
               <a:rPr lang="en-US" sz="1600" dirty="0" smtClean="0">
@@ -8757,13 +8323,6 @@
               </a:rPr>
               <a:t>             </a:t>
             </a:r>
-            <a:endParaRPr lang="en-US" sz="1600" dirty="0" smtClean="0">
-              <a:solidFill>
-                <a:prstClr val="black"/>
-              </a:solidFill>
-              <a:latin typeface="PT Mono" panose="02060509020205020204" pitchFamily="49" charset="-52"/>
-              <a:ea typeface="PT Mono" panose="02060509020205020204" pitchFamily="49" charset="-52"/>
-            </a:endParaRPr>
           </a:p>
           <a:p>
             <a:pPr marL="363538" indent="-269875">
@@ -8815,13 +8374,6 @@
               </a:rPr>
               <a:t>));</a:t>
             </a:r>
-            <a:endParaRPr lang="en-US" sz="1600" dirty="0" smtClean="0">
-              <a:solidFill>
-                <a:prstClr val="black"/>
-              </a:solidFill>
-              <a:latin typeface="PT Mono" panose="02060509020205020204" pitchFamily="49" charset="-52"/>
-              <a:ea typeface="PT Mono" panose="02060509020205020204" pitchFamily="49" charset="-52"/>
-            </a:endParaRPr>
           </a:p>
           <a:p>
             <a:pPr marL="363538" indent="-269875">
@@ -8866,13 +8418,24 @@
             <a:r>
               <a:rPr lang="en-US" sz="1600" dirty="0" smtClean="0">
                 <a:solidFill>
-                  <a:prstClr val="black"/>
+                  <a:srgbClr val="7030A0"/>
                 </a:solidFill>
                 <a:latin typeface="PT Mono" panose="02060509020205020204" pitchFamily="49" charset="-52"/>
                 <a:ea typeface="PT Mono" panose="02060509020205020204" pitchFamily="49" charset="-52"/>
                 <a:sym typeface="Wingdings" panose="05000000000000000000" pitchFamily="2" charset="2"/>
               </a:rPr>
-              <a:t> </a:t>
+              <a:t></a:t>
+            </a:r>
+            <a:r>
+              <a:rPr lang="en-US" sz="1600" dirty="0" smtClean="0">
+                <a:solidFill>
+                  <a:prstClr val="black"/>
+                </a:solidFill>
+                <a:latin typeface="PT Mono" panose="02060509020205020204" pitchFamily="49" charset="-52"/>
+                <a:ea typeface="PT Mono" panose="02060509020205020204" pitchFamily="49" charset="-52"/>
+                <a:sym typeface="Wingdings" panose="05000000000000000000" pitchFamily="2" charset="2"/>
+              </a:rPr>
+              <a:t> </a:t>
             </a:r>
             <a:r>
               <a:rPr lang="ru-RU" sz="1600" dirty="0" smtClean="0">
@@ -8882,17 +8445,7 @@
                 <a:latin typeface="PT Mono" panose="02060509020205020204" pitchFamily="49" charset="-52"/>
                 <a:ea typeface="PT Mono" panose="02060509020205020204" pitchFamily="49" charset="-52"/>
               </a:rPr>
-              <a:t>конец </a:t>
-            </a:r>
-            <a:r>
-              <a:rPr lang="ru-RU" sz="1600" dirty="0" smtClean="0">
-                <a:solidFill>
-                  <a:prstClr val="black"/>
-                </a:solidFill>
-                <a:latin typeface="PT Mono" panose="02060509020205020204" pitchFamily="49" charset="-52"/>
-                <a:ea typeface="PT Mono" panose="02060509020205020204" pitchFamily="49" charset="-52"/>
-              </a:rPr>
-              <a:t>блока</a:t>
+              <a:t>конец блока</a:t>
             </a:r>
             <a:endParaRPr lang="en-US" sz="1600" dirty="0" smtClean="0">
               <a:solidFill>
@@ -9206,7 +8759,7 @@
         <p:spPr>
           <a:xfrm>
             <a:off x="230766" y="2066925"/>
-            <a:ext cx="4001737" cy="2308324"/>
+            <a:ext cx="4553170" cy="2585323"/>
           </a:xfrm>
           <a:prstGeom prst="rect">
             <a:avLst/>
@@ -9311,7 +8864,7 @@
                 <a:solidFill>
                   <a:prstClr val="black"/>
                 </a:solidFill>
-                <a:latin typeface="PT Mono" panose="02060509020205020204" pitchFamily="49" charset="-52"/>
+                <a:latin typeface="PT Mono" panose="02060509020205020204"/>
                 <a:ea typeface="PT Mono" panose="02060509020205020204" pitchFamily="49" charset="-52"/>
               </a:rPr>
               <a:t>у вас всё хорошо</a:t>
@@ -9389,7 +8942,7 @@
                 <a:solidFill>
                   <a:prstClr val="black"/>
                 </a:solidFill>
-                <a:latin typeface="PT Mono" panose="02060509020205020204" pitchFamily="49" charset="-52"/>
+                <a:latin typeface="PT Mono" panose="02060509020205020204"/>
                 <a:ea typeface="PT Mono" panose="02060509020205020204" pitchFamily="49" charset="-52"/>
               </a:rPr>
               <a:t> </a:t>
@@ -9412,15 +8965,8 @@
                 <a:latin typeface="PT Mono" panose="02060509020205020204" pitchFamily="49" charset="-52"/>
                 <a:ea typeface="PT Mono" panose="02060509020205020204" pitchFamily="49" charset="-52"/>
               </a:rPr>
-              <a:t>18){</a:t>
-            </a:r>
-            <a:endParaRPr lang="en-US" dirty="0">
-              <a:solidFill>
-                <a:prstClr val="black"/>
-              </a:solidFill>
-              <a:latin typeface="PT Mono" panose="02060509020205020204" pitchFamily="49" charset="-52"/>
-              <a:ea typeface="PT Mono" panose="02060509020205020204" pitchFamily="49" charset="-52"/>
-            </a:endParaRPr>
+              <a:t>18</a:t>
+            </a:r>
           </a:p>
           <a:p>
             <a:pPr marL="363538" indent="-269875">
@@ -9433,34 +8979,34 @@
               <a:buAutoNum type="arabicPeriod"/>
             </a:pPr>
             <a:r>
-              <a:rPr lang="en-US" dirty="0">
-                <a:solidFill>
-                  <a:prstClr val="black"/>
-                </a:solidFill>
-                <a:latin typeface="PT Mono" panose="02060509020205020204" pitchFamily="49" charset="-52"/>
-                <a:ea typeface="PT Mono" panose="02060509020205020204" pitchFamily="49" charset="-52"/>
-              </a:rPr>
-              <a:t>    //</a:t>
-            </a:r>
-            <a:r>
-              <a:rPr lang="ru-RU" dirty="0">
-                <a:solidFill>
-                  <a:prstClr val="black"/>
-                </a:solidFill>
-                <a:latin typeface="PT Mono" panose="02060509020205020204" pitchFamily="49" charset="-52"/>
-                <a:ea typeface="PT Mono" panose="02060509020205020204" pitchFamily="49" charset="-52"/>
-              </a:rPr>
-              <a:t> </a:t>
-            </a:r>
-            <a:r>
-              <a:rPr lang="ru-RU" dirty="0" smtClean="0">
-                <a:solidFill>
-                  <a:prstClr val="black"/>
-                </a:solidFill>
-                <a:latin typeface="PT Mono" panose="02060509020205020204" pitchFamily="49" charset="-52"/>
-                <a:ea typeface="PT Mono" panose="02060509020205020204" pitchFamily="49" charset="-52"/>
-              </a:rPr>
-              <a:t>бывало и лучше</a:t>
+              <a:rPr lang="en-US" dirty="0" smtClean="0">
+                <a:solidFill>
+                  <a:prstClr val="black"/>
+                </a:solidFill>
+                <a:latin typeface="PT Mono" panose="02060509020205020204" pitchFamily="49" charset="-52"/>
+                <a:ea typeface="PT Mono" panose="02060509020205020204" pitchFamily="49" charset="-52"/>
+              </a:rPr>
+              <a:t>           &amp;&amp; </a:t>
+            </a:r>
+            <a:r>
+              <a:rPr lang="en-US" dirty="0" err="1" smtClean="0">
+                <a:solidFill>
+                  <a:prstClr val="black"/>
+                </a:solidFill>
+                <a:latin typeface="PT Mono" panose="02060509020205020204" pitchFamily="49" charset="-52"/>
+                <a:ea typeface="PT Mono" panose="02060509020205020204" pitchFamily="49" charset="-52"/>
+              </a:rPr>
+              <a:t>yourAge</a:t>
+            </a:r>
+            <a:r>
+              <a:rPr lang="en-US" dirty="0" smtClean="0">
+                <a:solidFill>
+                  <a:prstClr val="black"/>
+                </a:solidFill>
+                <a:latin typeface="PT Mono" panose="02060509020205020204" pitchFamily="49" charset="-52"/>
+                <a:ea typeface="PT Mono" panose="02060509020205020204" pitchFamily="49" charset="-52"/>
+              </a:rPr>
+              <a:t> &lt;= 25){</a:t>
             </a:r>
             <a:endParaRPr lang="en-US" dirty="0">
               <a:solidFill>
@@ -9488,28 +9034,35 @@
                 <a:latin typeface="PT Mono" panose="02060509020205020204" pitchFamily="49" charset="-52"/>
                 <a:ea typeface="PT Mono" panose="02060509020205020204" pitchFamily="49" charset="-52"/>
               </a:rPr>
-              <a:t>} </a:t>
-            </a:r>
-            <a:r>
-              <a:rPr lang="en-US" b="1" dirty="0">
-                <a:solidFill>
-                  <a:prstClr val="black"/>
-                </a:solidFill>
-                <a:latin typeface="PT Mono" panose="02060509020205020204" pitchFamily="49" charset="-52"/>
-                <a:ea typeface="PT Mono" panose="02060509020205020204" pitchFamily="49" charset="-52"/>
-              </a:rPr>
-              <a:t>else</a:t>
-            </a:r>
-            <a:r>
-              <a:rPr lang="en-US" dirty="0">
-                <a:solidFill>
-                  <a:prstClr val="black"/>
-                </a:solidFill>
-                <a:latin typeface="PT Mono" panose="02060509020205020204" pitchFamily="49" charset="-52"/>
-                <a:ea typeface="PT Mono" panose="02060509020205020204" pitchFamily="49" charset="-52"/>
-              </a:rPr>
-              <a:t> {</a:t>
-            </a:r>
+              <a:t>    //</a:t>
+            </a:r>
+            <a:r>
+              <a:rPr lang="ru-RU" dirty="0">
+                <a:solidFill>
+                  <a:prstClr val="black"/>
+                </a:solidFill>
+                <a:latin typeface="PT Mono" panose="02060509020205020204"/>
+                <a:ea typeface="PT Mono" panose="02060509020205020204" pitchFamily="49" charset="-52"/>
+              </a:rPr>
+              <a:t> </a:t>
+            </a:r>
+            <a:r>
+              <a:rPr lang="ru-RU" dirty="0" smtClean="0">
+                <a:solidFill>
+                  <a:prstClr val="black"/>
+                </a:solidFill>
+                <a:latin typeface="PT Mono" panose="02060509020205020204"/>
+                <a:ea typeface="PT Mono" panose="02060509020205020204" pitchFamily="49" charset="-52"/>
+              </a:rPr>
+              <a:t>бывало и лучше</a:t>
+            </a:r>
+            <a:endParaRPr lang="en-US" dirty="0">
+              <a:solidFill>
+                <a:prstClr val="black"/>
+              </a:solidFill>
+              <a:latin typeface="PT Mono" panose="02060509020205020204" pitchFamily="49" charset="-52"/>
+              <a:ea typeface="PT Mono" panose="02060509020205020204" pitchFamily="49" charset="-52"/>
+            </a:endParaRPr>
           </a:p>
           <a:p>
             <a:pPr marL="363538" indent="-269875">
@@ -9529,37 +9082,28 @@
                 <a:latin typeface="PT Mono" panose="02060509020205020204" pitchFamily="49" charset="-52"/>
                 <a:ea typeface="PT Mono" panose="02060509020205020204" pitchFamily="49" charset="-52"/>
               </a:rPr>
-              <a:t>    //</a:t>
-            </a:r>
-            <a:r>
-              <a:rPr lang="ru-RU" dirty="0">
-                <a:solidFill>
-                  <a:prstClr val="black"/>
-                </a:solidFill>
-                <a:latin typeface="PT Mono" panose="02060509020205020204" pitchFamily="49" charset="-52"/>
-                <a:ea typeface="PT Mono" panose="02060509020205020204" pitchFamily="49" charset="-52"/>
-              </a:rPr>
-              <a:t> </a:t>
-            </a:r>
-            <a:r>
-              <a:rPr lang="en-US" altLang="ja-JP" b="1" dirty="0"/>
-              <a:t>¯\_(</a:t>
-            </a:r>
-            <a:r>
-              <a:rPr lang="ja-JP" altLang="en-US" b="1" dirty="0"/>
-              <a:t>ツ</a:t>
-            </a:r>
-            <a:r>
-              <a:rPr lang="en-US" altLang="ja-JP" b="1" dirty="0" smtClean="0"/>
-              <a:t>)_/¯</a:t>
-            </a:r>
-            <a:endParaRPr lang="en-US" dirty="0">
-              <a:solidFill>
-                <a:prstClr val="black"/>
-              </a:solidFill>
-              <a:latin typeface="PT Mono" panose="02060509020205020204" pitchFamily="49" charset="-52"/>
-              <a:ea typeface="PT Mono" panose="02060509020205020204" pitchFamily="49" charset="-52"/>
-            </a:endParaRPr>
+              <a:t>} </a:t>
+            </a:r>
+            <a:r>
+              <a:rPr lang="en-US" b="1" dirty="0">
+                <a:solidFill>
+                  <a:prstClr val="black"/>
+                </a:solidFill>
+                <a:latin typeface="PT Mono" panose="02060509020205020204" pitchFamily="49" charset="-52"/>
+                <a:ea typeface="PT Mono" panose="02060509020205020204" pitchFamily="49" charset="-52"/>
+              </a:rPr>
+              <a:t>else</a:t>
+            </a:r>
+            <a:r>
+              <a:rPr lang="en-US" dirty="0">
+                <a:solidFill>
+                  <a:prstClr val="black"/>
+                </a:solidFill>
+                <a:latin typeface="PT Mono" panose="02060509020205020204" pitchFamily="49" charset="-52"/>
+                <a:ea typeface="PT Mono" panose="02060509020205020204" pitchFamily="49" charset="-52"/>
+              </a:rPr>
+              <a:t> {</a:t>
+            </a:r>
           </a:p>
           <a:p>
             <a:pPr marL="363538" indent="-269875">
@@ -9579,11 +9123,65 @@
                 <a:latin typeface="PT Mono" panose="02060509020205020204" pitchFamily="49" charset="-52"/>
                 <a:ea typeface="PT Mono" panose="02060509020205020204" pitchFamily="49" charset="-52"/>
               </a:rPr>
+              <a:t>    //</a:t>
+            </a:r>
+            <a:r>
+              <a:rPr lang="ru-RU" dirty="0">
+                <a:solidFill>
+                  <a:prstClr val="black"/>
+                </a:solidFill>
+                <a:latin typeface="PT Mono" panose="02060509020205020204"/>
+                <a:ea typeface="PT Mono" panose="02060509020205020204" pitchFamily="49" charset="-52"/>
+              </a:rPr>
+              <a:t> </a:t>
+            </a:r>
+            <a:r>
+              <a:rPr lang="en-US" altLang="ja-JP" b="1" dirty="0"/>
+              <a:t>¯\_(</a:t>
+            </a:r>
+            <a:r>
+              <a:rPr lang="ja-JP" altLang="en-US" b="1" dirty="0">
+                <a:latin typeface="PT Mono" panose="02060509020205020204"/>
+              </a:rPr>
+              <a:t>ツ</a:t>
+            </a:r>
+            <a:r>
+              <a:rPr lang="en-US" altLang="ja-JP" b="1" dirty="0" smtClean="0"/>
+              <a:t>)_/¯</a:t>
+            </a:r>
+            <a:endParaRPr lang="en-US" dirty="0">
+              <a:solidFill>
+                <a:prstClr val="black"/>
+              </a:solidFill>
+              <a:latin typeface="PT Mono" panose="02060509020205020204" pitchFamily="49" charset="-52"/>
+              <a:ea typeface="PT Mono" panose="02060509020205020204" pitchFamily="49" charset="-52"/>
+            </a:endParaRPr>
+          </a:p>
+          <a:p>
+            <a:pPr marL="363538" indent="-269875">
+              <a:buClr>
+                <a:schemeClr val="bg1">
+                  <a:lumMod val="50000"/>
+                </a:schemeClr>
+              </a:buClr>
+              <a:buFont typeface="+mj-lt"/>
+              <a:buAutoNum type="arabicPeriod"/>
+            </a:pPr>
+            <a:r>
+              <a:rPr lang="en-US" dirty="0">
+                <a:solidFill>
+                  <a:prstClr val="black"/>
+                </a:solidFill>
+                <a:latin typeface="PT Mono" panose="02060509020205020204" pitchFamily="49" charset="-52"/>
+                <a:ea typeface="PT Mono" panose="02060509020205020204" pitchFamily="49" charset="-52"/>
+              </a:rPr>
               <a:t>}</a:t>
             </a:r>
           </a:p>
           <a:p>
-            <a:endParaRPr lang="ru-RU" dirty="0"/>
+            <a:endParaRPr lang="ru-RU" dirty="0">
+              <a:latin typeface="PT Mono" panose="02060509020205020204"/>
+            </a:endParaRPr>
           </a:p>
         </p:txBody>
       </p:sp>
@@ -10084,17 +9682,7 @@
                 <a:latin typeface="PT Mono" panose="02060509020205020204" pitchFamily="49" charset="-52"/>
                 <a:ea typeface="PT Mono" panose="02060509020205020204" pitchFamily="49" charset="-52"/>
               </a:rPr>
-              <a:t>       </a:t>
-            </a:r>
-            <a:r>
-              <a:rPr lang="en-US" dirty="0" smtClean="0">
-                <a:solidFill>
-                  <a:prstClr val="black"/>
-                </a:solidFill>
-                <a:latin typeface="PT Mono" panose="02060509020205020204" pitchFamily="49" charset="-52"/>
-                <a:ea typeface="PT Mono" panose="02060509020205020204" pitchFamily="49" charset="-52"/>
-              </a:rPr>
-              <a:t>//</a:t>
+              <a:t>       //</a:t>
             </a:r>
             <a:r>
               <a:rPr lang="ru-RU" dirty="0" smtClean="0">
@@ -10617,22 +10205,14 @@
                 <a:latin typeface="+mj-lt"/>
                 <a:cs typeface="Arial Black"/>
               </a:rPr>
-              <a:t> </a:t>
-            </a:r>
-            <a:r>
-              <a:rPr lang="en-US" sz="2000" dirty="0" smtClean="0">
+              <a:t> – 3 </a:t>
+            </a:r>
+            <a:r>
+              <a:rPr lang="ru-RU" sz="2000" dirty="0" smtClean="0">
                 <a:solidFill>
                   <a:srgbClr val="554294"/>
                 </a:solidFill>
-                <a:cs typeface="Arial Black"/>
-              </a:rPr>
-              <a:t>– 3 </a:t>
-            </a:r>
-            <a:r>
-              <a:rPr lang="ru-RU" sz="2000" dirty="0" smtClean="0">
-                <a:solidFill>
-                  <a:srgbClr val="554294"/>
-                </a:solidFill>
+                <a:latin typeface="+mj-lt"/>
                 <a:cs typeface="Arial Black"/>
               </a:rPr>
               <a:t>года</a:t>
@@ -10641,6 +10221,7 @@
               <a:solidFill>
                 <a:srgbClr val="554294"/>
               </a:solidFill>
+              <a:latin typeface="+mj-lt"/>
               <a:cs typeface="Arial Black"/>
             </a:endParaRPr>
           </a:p>
@@ -11331,14 +10912,24 @@
               <a:t>    // </a:t>
             </a:r>
             <a:r>
-              <a:rPr lang="ru-RU" dirty="0">
-                <a:solidFill>
-                  <a:prstClr val="black"/>
-                </a:solidFill>
-                <a:latin typeface="PT Mono" panose="02060509020205020204" pitchFamily="49" charset="-52"/>
-                <a:ea typeface="PT Mono" panose="02060509020205020204" pitchFamily="49" charset="-52"/>
-              </a:rPr>
-              <a:t>цикл выполнится </a:t>
+              <a:rPr lang="en-US" dirty="0" smtClean="0">
+                <a:solidFill>
+                  <a:prstClr val="black"/>
+                </a:solidFill>
+                <a:latin typeface="PT Mono" panose="02060509020205020204" pitchFamily="49" charset="-52"/>
+                <a:ea typeface="PT Mono" panose="02060509020205020204" pitchFamily="49" charset="-52"/>
+              </a:rPr>
+              <a:t>iterates</a:t>
+            </a:r>
+            <a:r>
+              <a:rPr lang="ru-RU" dirty="0" smtClean="0">
+                <a:solidFill>
+                  <a:prstClr val="black"/>
+                </a:solidFill>
+                <a:latin typeface="PT Mono" panose="02060509020205020204" pitchFamily="49" charset="-52"/>
+                <a:ea typeface="PT Mono" panose="02060509020205020204" pitchFamily="49" charset="-52"/>
+              </a:rPr>
+              <a:t> </a:t>
             </a:r>
             <a:r>
               <a:rPr lang="en-US" b="1" dirty="0" err="1">
@@ -11361,15 +10952,32 @@
               <a:t> </a:t>
             </a:r>
             <a:r>
-              <a:rPr lang="ru-RU" dirty="0">
-                <a:solidFill>
-                  <a:prstClr val="black"/>
-                </a:solidFill>
-                <a:latin typeface="PT Mono" panose="02060509020205020204" pitchFamily="49" charset="-52"/>
-                <a:ea typeface="PT Mono" panose="02060509020205020204" pitchFamily="49" charset="-52"/>
-              </a:rPr>
-              <a:t>раз,</a:t>
-            </a:r>
+              <a:rPr lang="en-US" dirty="0" smtClean="0">
+                <a:solidFill>
+                  <a:prstClr val="black"/>
+                </a:solidFill>
+                <a:latin typeface="PT Mono" panose="02060509020205020204" pitchFamily="49" charset="-52"/>
+                <a:ea typeface="PT Mono" panose="02060509020205020204" pitchFamily="49" charset="-52"/>
+              </a:rPr>
+              <a:t>times</a:t>
+            </a:r>
+            <a:r>
+              <a:rPr lang="ru-RU" dirty="0" smtClean="0">
+                <a:solidFill>
+                  <a:prstClr val="black"/>
+                </a:solidFill>
+                <a:latin typeface="PT Mono" panose="02060509020205020204" pitchFamily="49" charset="-52"/>
+                <a:ea typeface="PT Mono" panose="02060509020205020204" pitchFamily="49" charset="-52"/>
+              </a:rPr>
+              <a:t>,</a:t>
+            </a:r>
+            <a:endParaRPr lang="ru-RU" dirty="0">
+              <a:solidFill>
+                <a:prstClr val="black"/>
+              </a:solidFill>
+              <a:latin typeface="PT Mono" panose="02060509020205020204" pitchFamily="49" charset="-52"/>
+              <a:ea typeface="PT Mono" panose="02060509020205020204" pitchFamily="49" charset="-52"/>
+            </a:endParaRPr>
           </a:p>
           <a:p>
             <a:pPr marL="363538" indent="-269875">
@@ -11409,7 +11017,27 @@
                 <a:latin typeface="PT Mono" panose="02060509020205020204" pitchFamily="49" charset="-52"/>
                 <a:ea typeface="PT Mono" panose="02060509020205020204" pitchFamily="49" charset="-52"/>
               </a:rPr>
-              <a:t> если </a:t>
+              <a:t> </a:t>
+            </a:r>
+            <a:r>
+              <a:rPr lang="en-US" dirty="0" smtClean="0">
+                <a:solidFill>
+                  <a:prstClr val="black"/>
+                </a:solidFill>
+                <a:latin typeface="PT Mono" panose="02060509020205020204" pitchFamily="49" charset="-52"/>
+                <a:ea typeface="PT Mono" panose="02060509020205020204" pitchFamily="49" charset="-52"/>
+              </a:rPr>
+              <a:t>if</a:t>
+            </a:r>
+            <a:r>
+              <a:rPr lang="ru-RU" dirty="0" smtClean="0">
+                <a:solidFill>
+                  <a:prstClr val="black"/>
+                </a:solidFill>
+                <a:latin typeface="PT Mono" panose="02060509020205020204" pitchFamily="49" charset="-52"/>
+                <a:ea typeface="PT Mono" panose="02060509020205020204" pitchFamily="49" charset="-52"/>
+              </a:rPr>
+              <a:t> </a:t>
             </a:r>
             <a:r>
               <a:rPr lang="en-US" b="1" dirty="0" err="1">
@@ -12659,17 +12287,17 @@
               <a:t> += </a:t>
             </a:r>
             <a:r>
-              <a:rPr lang="en-US" dirty="0" err="1">
-                <a:solidFill>
-                  <a:prstClr val="black"/>
-                </a:solidFill>
-                <a:latin typeface="PT Mono" panose="02060509020205020204" pitchFamily="49" charset="-52"/>
-                <a:ea typeface="PT Mono" panose="02060509020205020204" pitchFamily="49" charset="-52"/>
-              </a:rPr>
-              <a:t>boxesWithApples.get</a:t>
-            </a:r>
-            <a:r>
-              <a:rPr lang="en-US" dirty="0">
+              <a:rPr lang="en-US" dirty="0" err="1" smtClean="0">
+                <a:solidFill>
+                  <a:prstClr val="black"/>
+                </a:solidFill>
+                <a:latin typeface="PT Mono" panose="02060509020205020204" pitchFamily="49" charset="-52"/>
+                <a:ea typeface="PT Mono" panose="02060509020205020204" pitchFamily="49" charset="-52"/>
+              </a:rPr>
+              <a:t>boxes.get</a:t>
+            </a:r>
+            <a:r>
+              <a:rPr lang="en-US" dirty="0" smtClean="0">
                 <a:solidFill>
                   <a:prstClr val="black"/>
                 </a:solidFill>
@@ -12679,7 +12307,7 @@
               <a:t>(</a:t>
             </a:r>
             <a:r>
-              <a:rPr lang="en-US" dirty="0" err="1">
+              <a:rPr lang="en-US" dirty="0" err="1" smtClean="0">
                 <a:solidFill>
                   <a:prstClr val="black"/>
                 </a:solidFill>
@@ -13019,11 +12647,22 @@
             </a:r>
             <a:r>
               <a:rPr lang="en-US" sz="2400" dirty="0" smtClean="0">
+                <a:solidFill>
+                  <a:srgbClr val="7030A0"/>
+                </a:solidFill>
                 <a:latin typeface="+mj-lt"/>
                 <a:cs typeface="Arial Black"/>
                 <a:sym typeface="Wingdings" panose="05000000000000000000" pitchFamily="2" charset="2"/>
               </a:rPr>
-              <a:t>	public </a:t>
+              <a:t></a:t>
+            </a:r>
+            <a:r>
+              <a:rPr lang="en-US" sz="2400" dirty="0" smtClean="0">
+                <a:latin typeface="+mj-lt"/>
+                <a:cs typeface="Arial Black"/>
+                <a:sym typeface="Wingdings" panose="05000000000000000000" pitchFamily="2" charset="2"/>
+              </a:rPr>
+              <a:t>	public </a:t>
             </a:r>
             <a:r>
               <a:rPr lang="en-US" sz="2400" dirty="0" smtClean="0">
@@ -13047,11 +12686,22 @@
             </a:r>
             <a:r>
               <a:rPr lang="en-US" sz="2400" dirty="0" smtClean="0">
+                <a:solidFill>
+                  <a:srgbClr val="7030A0"/>
+                </a:solidFill>
                 <a:latin typeface="+mj-lt"/>
                 <a:cs typeface="Arial Black"/>
                 <a:sym typeface="Wingdings" panose="05000000000000000000" pitchFamily="2" charset="2"/>
               </a:rPr>
-              <a:t>	</a:t>
+              <a:t></a:t>
+            </a:r>
+            <a:r>
+              <a:rPr lang="en-US" sz="2400" dirty="0" smtClean="0">
+                <a:latin typeface="+mj-lt"/>
+                <a:cs typeface="Arial Black"/>
+                <a:sym typeface="Wingdings" panose="05000000000000000000" pitchFamily="2" charset="2"/>
+              </a:rPr>
+              <a:t>	</a:t>
             </a:r>
             <a:r>
               <a:rPr lang="en-US" sz="2400" dirty="0" err="1" smtClean="0">
@@ -13080,11 +12730,22 @@
             </a:r>
             <a:r>
               <a:rPr lang="en-US" sz="2400" dirty="0" smtClean="0">
+                <a:solidFill>
+                  <a:srgbClr val="7030A0"/>
+                </a:solidFill>
                 <a:latin typeface="+mj-lt"/>
                 <a:cs typeface="Arial Black"/>
                 <a:sym typeface="Wingdings" panose="05000000000000000000" pitchFamily="2" charset="2"/>
               </a:rPr>
-              <a:t>	</a:t>
+              <a:t></a:t>
+            </a:r>
+            <a:r>
+              <a:rPr lang="en-US" sz="2400" dirty="0" smtClean="0">
+                <a:latin typeface="+mj-lt"/>
+                <a:cs typeface="Arial Black"/>
+                <a:sym typeface="Wingdings" panose="05000000000000000000" pitchFamily="2" charset="2"/>
+              </a:rPr>
+              <a:t>	</a:t>
             </a:r>
             <a:r>
               <a:rPr lang="en-US" sz="2400" dirty="0" err="1" smtClean="0">
@@ -13113,11 +12774,22 @@
             </a:r>
             <a:r>
               <a:rPr lang="en-US" sz="2400" dirty="0" smtClean="0">
+                <a:solidFill>
+                  <a:srgbClr val="7030A0"/>
+                </a:solidFill>
                 <a:latin typeface="+mj-lt"/>
                 <a:cs typeface="Arial Black"/>
                 <a:sym typeface="Wingdings" panose="05000000000000000000" pitchFamily="2" charset="2"/>
               </a:rPr>
-              <a:t>	( … )</a:t>
+              <a:t></a:t>
+            </a:r>
+            <a:r>
+              <a:rPr lang="en-US" sz="2400" dirty="0" smtClean="0">
+                <a:latin typeface="+mj-lt"/>
+                <a:cs typeface="Arial Black"/>
+                <a:sym typeface="Wingdings" panose="05000000000000000000" pitchFamily="2" charset="2"/>
+              </a:rPr>
+              <a:t>	( … )</a:t>
             </a:r>
             <a:endParaRPr lang="en-US" sz="2400" dirty="0" smtClean="0">
               <a:latin typeface="+mj-lt"/>
@@ -13138,11 +12810,22 @@
             </a:r>
             <a:r>
               <a:rPr lang="en-US" sz="2400" dirty="0" smtClean="0">
+                <a:solidFill>
+                  <a:srgbClr val="7030A0"/>
+                </a:solidFill>
                 <a:latin typeface="+mj-lt"/>
                 <a:cs typeface="Arial Black"/>
                 <a:sym typeface="Wingdings" panose="05000000000000000000" pitchFamily="2" charset="2"/>
               </a:rPr>
-              <a:t>	</a:t>
+              <a:t></a:t>
+            </a:r>
+            <a:r>
+              <a:rPr lang="en-US" sz="2400" dirty="0" smtClean="0">
+                <a:latin typeface="+mj-lt"/>
+                <a:cs typeface="Arial Black"/>
+                <a:sym typeface="Wingdings" panose="05000000000000000000" pitchFamily="2" charset="2"/>
+              </a:rPr>
+              <a:t>	</a:t>
             </a:r>
             <a:r>
               <a:rPr lang="en-US" sz="2400" dirty="0" err="1" smtClean="0">
@@ -13171,11 +12854,22 @@
             </a:r>
             <a:r>
               <a:rPr lang="en-US" sz="2400" dirty="0" smtClean="0">
+                <a:solidFill>
+                  <a:srgbClr val="7030A0"/>
+                </a:solidFill>
                 <a:latin typeface="+mj-lt"/>
                 <a:cs typeface="Arial Black"/>
                 <a:sym typeface="Wingdings" panose="05000000000000000000" pitchFamily="2" charset="2"/>
               </a:rPr>
-              <a:t>	{ … }</a:t>
+              <a:t></a:t>
+            </a:r>
+            <a:r>
+              <a:rPr lang="en-US" sz="2400" dirty="0" smtClean="0">
+                <a:latin typeface="+mj-lt"/>
+                <a:cs typeface="Arial Black"/>
+                <a:sym typeface="Wingdings" panose="05000000000000000000" pitchFamily="2" charset="2"/>
+              </a:rPr>
+              <a:t>	{ … }</a:t>
             </a:r>
             <a:endParaRPr lang="en-US" sz="2400" dirty="0" smtClean="0">
               <a:latin typeface="+mj-lt"/>
@@ -13870,20 +13564,23 @@
             <a:r>
               <a:rPr lang="ru-RU" sz="2400" dirty="0">
                 <a:solidFill>
-                  <a:schemeClr val="accent6"/>
+                  <a:srgbClr val="7030A0"/>
                 </a:solidFill>
                 <a:latin typeface="+mj-lt"/>
                 <a:cs typeface="HelveticaNeueCyr-Roman"/>
               </a:rPr>
-              <a:t>Классы </a:t>
-            </a:r>
-            <a:endParaRPr lang="ru-RU" sz="2400" dirty="0">
-              <a:solidFill>
-                <a:schemeClr val="accent6"/>
-              </a:solidFill>
-              <a:latin typeface="+mj-lt"/>
-              <a:cs typeface="HelveticaNeueCyr-Roman"/>
-            </a:endParaRPr>
+              <a:t>Классы</a:t>
+            </a:r>
+            <a:r>
+              <a:rPr lang="ru-RU" sz="2400" dirty="0">
+                <a:solidFill>
+                  <a:schemeClr val="accent6"/>
+                </a:solidFill>
+                <a:latin typeface="+mj-lt"/>
+                <a:cs typeface="HelveticaNeueCyr-Roman"/>
+              </a:rPr>
+              <a:t> </a:t>
+            </a:r>
           </a:p>
         </p:txBody>
       </p:sp>
@@ -14311,13 +14008,6 @@
               </a:rPr>
               <a:t> id;</a:t>
             </a:r>
-            <a:endParaRPr lang="en-US" dirty="0" smtClean="0">
-              <a:solidFill>
-                <a:prstClr val="black"/>
-              </a:solidFill>
-              <a:latin typeface="PT Mono" panose="02060509020205020204" pitchFamily="49" charset="-52"/>
-              <a:ea typeface="PT Mono" panose="02060509020205020204" pitchFamily="49" charset="-52"/>
-            </a:endParaRPr>
           </a:p>
           <a:p>
             <a:pPr marL="363538" indent="-269875">
@@ -14789,55 +14479,8 @@
                 <a:latin typeface="PT Mono" panose="02060509020205020204" pitchFamily="49" charset="-52"/>
                 <a:ea typeface="PT Mono" panose="02060509020205020204" pitchFamily="49" charset="-52"/>
               </a:rPr>
-              <a:t>    // </a:t>
-            </a:r>
-            <a:r>
-              <a:rPr lang="ru-RU" sz="1600" dirty="0" smtClean="0">
-                <a:solidFill>
-                  <a:prstClr val="black"/>
-                </a:solidFill>
-                <a:latin typeface="PT Mono" panose="02060509020205020204" pitchFamily="49" charset="-52"/>
-                <a:ea typeface="PT Mono" panose="02060509020205020204" pitchFamily="49" charset="-52"/>
-              </a:rPr>
-              <a:t>поля</a:t>
-            </a:r>
-            <a:r>
-              <a:rPr lang="en-US" sz="1600" dirty="0" smtClean="0">
-                <a:solidFill>
-                  <a:prstClr val="black"/>
-                </a:solidFill>
-                <a:latin typeface="PT Mono" panose="02060509020205020204" pitchFamily="49" charset="-52"/>
-                <a:ea typeface="PT Mono" panose="02060509020205020204" pitchFamily="49" charset="-52"/>
-              </a:rPr>
-              <a:t>, </a:t>
-            </a:r>
-            <a:r>
-              <a:rPr lang="ru-RU" sz="1600" dirty="0" smtClean="0">
-                <a:solidFill>
-                  <a:prstClr val="black"/>
-                </a:solidFill>
-                <a:latin typeface="PT Mono" panose="02060509020205020204" pitchFamily="49" charset="-52"/>
-                <a:ea typeface="PT Mono" panose="02060509020205020204" pitchFamily="49" charset="-52"/>
-              </a:rPr>
-              <a:t>конструкторы</a:t>
-            </a:r>
-            <a:r>
-              <a:rPr lang="en-US" sz="1600" dirty="0" smtClean="0">
-                <a:solidFill>
-                  <a:prstClr val="black"/>
-                </a:solidFill>
-                <a:latin typeface="PT Mono" panose="02060509020205020204" pitchFamily="49" charset="-52"/>
-                <a:ea typeface="PT Mono" panose="02060509020205020204" pitchFamily="49" charset="-52"/>
-              </a:rPr>
-              <a:t>, </a:t>
-            </a:r>
-            <a:endParaRPr lang="en-US" sz="1600" dirty="0" smtClean="0">
-              <a:solidFill>
-                <a:prstClr val="black"/>
-              </a:solidFill>
-              <a:latin typeface="PT Mono" panose="02060509020205020204" pitchFamily="49" charset="-52"/>
-              <a:ea typeface="PT Mono" panose="02060509020205020204" pitchFamily="49" charset="-52"/>
-            </a:endParaRPr>
+              <a:t>    // fields, constructors, </a:t>
+            </a:r>
           </a:p>
           <a:p>
             <a:pPr marL="363538" indent="-269875">
@@ -14857,25 +14500,8 @@
                 <a:latin typeface="PT Mono" panose="02060509020205020204" pitchFamily="49" charset="-52"/>
                 <a:ea typeface="PT Mono" panose="02060509020205020204" pitchFamily="49" charset="-52"/>
               </a:rPr>
-              <a:t>    // </a:t>
-            </a:r>
-            <a:r>
-              <a:rPr lang="ru-RU" sz="1600" dirty="0" smtClean="0">
-                <a:solidFill>
-                  <a:prstClr val="black"/>
-                </a:solidFill>
-                <a:latin typeface="PT Mono" panose="02060509020205020204" pitchFamily="49" charset="-52"/>
-                <a:ea typeface="PT Mono" panose="02060509020205020204" pitchFamily="49" charset="-52"/>
-              </a:rPr>
-              <a:t>методы и блоки инициализации</a:t>
-            </a:r>
-            <a:endParaRPr lang="en-US" sz="1600" dirty="0" smtClean="0">
-              <a:solidFill>
-                <a:prstClr val="black"/>
-              </a:solidFill>
-              <a:latin typeface="PT Mono" panose="02060509020205020204" pitchFamily="49" charset="-52"/>
-              <a:ea typeface="PT Mono" panose="02060509020205020204" pitchFamily="49" charset="-52"/>
-            </a:endParaRPr>
+              <a:t>    // methods and initialize blocks</a:t>
+            </a:r>
           </a:p>
           <a:p>
             <a:pPr marL="363538" indent="-269875">
@@ -14915,8 +14541,8 @@
         </p:nvSpPr>
         <p:spPr>
           <a:xfrm>
-            <a:off x="3668177" y="3130198"/>
-            <a:ext cx="4895827" cy="1223493"/>
+            <a:off x="3629912" y="3130198"/>
+            <a:ext cx="4972357" cy="1223493"/>
           </a:xfrm>
           <a:prstGeom prst="rect">
             <a:avLst/>
@@ -15026,6 +14652,16 @@
               <a:buAutoNum type="arabicPeriod"/>
             </a:pPr>
             <a:r>
+              <a:rPr lang="en-US" sz="1600" dirty="0" smtClean="0">
+                <a:solidFill>
+                  <a:prstClr val="black"/>
+                </a:solidFill>
+                <a:latin typeface="PT Mono" panose="02060509020205020204" pitchFamily="49" charset="-52"/>
+                <a:ea typeface="PT Mono" panose="02060509020205020204" pitchFamily="49" charset="-52"/>
+              </a:rPr>
+              <a:t>    </a:t>
+            </a:r>
+            <a:r>
               <a:rPr lang="en-US" sz="1600" dirty="0">
                 <a:solidFill>
                   <a:prstClr val="black"/>
@@ -15033,55 +14669,8 @@
                 <a:latin typeface="PT Mono" panose="02060509020205020204" pitchFamily="49" charset="-52"/>
                 <a:ea typeface="PT Mono" panose="02060509020205020204" pitchFamily="49" charset="-52"/>
               </a:rPr>
-              <a:t>    // </a:t>
-            </a:r>
-            <a:r>
-              <a:rPr lang="ru-RU" sz="1600" dirty="0" smtClean="0">
-                <a:solidFill>
-                  <a:prstClr val="black"/>
-                </a:solidFill>
-                <a:latin typeface="PT Mono" panose="02060509020205020204" pitchFamily="49" charset="-52"/>
-                <a:ea typeface="PT Mono" panose="02060509020205020204" pitchFamily="49" charset="-52"/>
-              </a:rPr>
-              <a:t>поля</a:t>
-            </a:r>
-            <a:r>
-              <a:rPr lang="en-US" sz="1600" dirty="0" smtClean="0">
-                <a:solidFill>
-                  <a:prstClr val="black"/>
-                </a:solidFill>
-                <a:latin typeface="PT Mono" panose="02060509020205020204" pitchFamily="49" charset="-52"/>
-                <a:ea typeface="PT Mono" panose="02060509020205020204" pitchFamily="49" charset="-52"/>
-              </a:rPr>
-              <a:t>, </a:t>
-            </a:r>
-            <a:r>
-              <a:rPr lang="ru-RU" sz="1600" dirty="0" smtClean="0">
-                <a:solidFill>
-                  <a:prstClr val="black"/>
-                </a:solidFill>
-                <a:latin typeface="PT Mono" panose="02060509020205020204" pitchFamily="49" charset="-52"/>
-                <a:ea typeface="PT Mono" panose="02060509020205020204" pitchFamily="49" charset="-52"/>
-              </a:rPr>
-              <a:t>конструкторы</a:t>
-            </a:r>
-            <a:r>
-              <a:rPr lang="en-US" sz="1600" dirty="0" smtClean="0">
-                <a:solidFill>
-                  <a:prstClr val="black"/>
-                </a:solidFill>
-                <a:latin typeface="PT Mono" panose="02060509020205020204" pitchFamily="49" charset="-52"/>
-                <a:ea typeface="PT Mono" panose="02060509020205020204" pitchFamily="49" charset="-52"/>
-              </a:rPr>
-              <a:t>, </a:t>
-            </a:r>
-            <a:endParaRPr lang="en-US" sz="1600" dirty="0">
-              <a:solidFill>
-                <a:prstClr val="black"/>
-              </a:solidFill>
-              <a:latin typeface="PT Mono" panose="02060509020205020204" pitchFamily="49" charset="-52"/>
-              <a:ea typeface="PT Mono" panose="02060509020205020204" pitchFamily="49" charset="-52"/>
-            </a:endParaRPr>
+              <a:t>// fields, constructors, </a:t>
+            </a:r>
           </a:p>
           <a:p>
             <a:pPr marL="363538" indent="-269875">
@@ -15101,19 +14690,29 @@
                 <a:latin typeface="PT Mono" panose="02060509020205020204" pitchFamily="49" charset="-52"/>
                 <a:ea typeface="PT Mono" panose="02060509020205020204" pitchFamily="49" charset="-52"/>
               </a:rPr>
-              <a:t>    // </a:t>
-            </a:r>
-            <a:r>
-              <a:rPr lang="ru-RU" sz="1600" dirty="0" smtClean="0">
-                <a:solidFill>
-                  <a:prstClr val="black"/>
-                </a:solidFill>
-                <a:latin typeface="PT Mono" panose="02060509020205020204" pitchFamily="49" charset="-52"/>
-                <a:ea typeface="PT Mono" panose="02060509020205020204" pitchFamily="49" charset="-52"/>
-              </a:rPr>
-              <a:t>методы и блоки инициализации</a:t>
-            </a:r>
-            <a:endParaRPr lang="en-US" sz="1600" dirty="0">
+              <a:t>    // methods and </a:t>
+            </a:r>
+            <a:r>
+              <a:rPr lang="en-US" sz="1600" dirty="0" smtClean="0">
+                <a:solidFill>
+                  <a:prstClr val="black"/>
+                </a:solidFill>
+                <a:latin typeface="PT Mono" panose="02060509020205020204" pitchFamily="49" charset="-52"/>
+                <a:ea typeface="PT Mono" panose="02060509020205020204" pitchFamily="49" charset="-52"/>
+              </a:rPr>
+              <a:t>initialize </a:t>
+            </a:r>
+            <a:r>
+              <a:rPr lang="en-US" sz="1600" dirty="0">
+                <a:solidFill>
+                  <a:prstClr val="black"/>
+                </a:solidFill>
+                <a:latin typeface="PT Mono" panose="02060509020205020204" pitchFamily="49" charset="-52"/>
+                <a:ea typeface="PT Mono" panose="02060509020205020204" pitchFamily="49" charset="-52"/>
+              </a:rPr>
+              <a:t>blocks</a:t>
+            </a:r>
+            <a:endParaRPr lang="en-US" sz="1600" dirty="0" smtClean="0">
               <a:solidFill>
                 <a:prstClr val="black"/>
               </a:solidFill>
@@ -15132,7 +14731,7 @@
               <a:buAutoNum type="arabicPeriod"/>
             </a:pPr>
             <a:r>
-              <a:rPr lang="en-US" sz="1600" dirty="0">
+              <a:rPr lang="en-US" sz="1600" dirty="0" smtClean="0">
                 <a:solidFill>
                   <a:prstClr val="black"/>
                 </a:solidFill>
@@ -15266,13 +14865,6 @@
               </a:rPr>
               <a:t>Классы. Наследование</a:t>
             </a:r>
-            <a:endParaRPr lang="ru-RU" sz="2000" dirty="0">
-              <a:solidFill>
-                <a:srgbClr val="554294"/>
-              </a:solidFill>
-              <a:latin typeface="Arial"/>
-              <a:cs typeface="Arial"/>
-            </a:endParaRPr>
           </a:p>
         </p:txBody>
       </p:sp>
@@ -16814,13 +16406,6 @@
               </a:rPr>
               <a:t> </a:t>
             </a:r>
-            <a:endParaRPr lang="en-US" sz="1400" dirty="0" smtClean="0">
-              <a:solidFill>
-                <a:prstClr val="black"/>
-              </a:solidFill>
-              <a:latin typeface="PT Mono" panose="02060509020205020204" pitchFamily="49" charset="-52"/>
-              <a:ea typeface="PT Mono" panose="02060509020205020204" pitchFamily="49" charset="-52"/>
-            </a:endParaRPr>
           </a:p>
           <a:p>
             <a:pPr marL="363538" indent="-269875">
@@ -16936,17 +16521,7 @@
                 <a:latin typeface="PT Mono" panose="02060509020205020204" pitchFamily="49" charset="-52"/>
                 <a:ea typeface="PT Mono" panose="02060509020205020204" pitchFamily="49" charset="-52"/>
               </a:rPr>
-              <a:t> </a:t>
-            </a:r>
-            <a:r>
-              <a:rPr lang="en-US" sz="1400" dirty="0" smtClean="0">
-                <a:solidFill>
-                  <a:prstClr val="black"/>
-                </a:solidFill>
-                <a:latin typeface="PT Mono" panose="02060509020205020204" pitchFamily="49" charset="-52"/>
-                <a:ea typeface="PT Mono" panose="02060509020205020204" pitchFamily="49" charset="-52"/>
-              </a:rPr>
-              <a:t>   public </a:t>
+              <a:t>    public </a:t>
             </a:r>
             <a:r>
               <a:rPr lang="en-US" sz="1400" dirty="0">
@@ -17817,13 +17392,6 @@
               </a:rPr>
               <a:t>; </a:t>
             </a:r>
-            <a:endParaRPr lang="en-US" sz="1400" dirty="0">
-              <a:solidFill>
-                <a:prstClr val="black"/>
-              </a:solidFill>
-              <a:latin typeface="PT Mono" panose="02060509020205020204" pitchFamily="49" charset="-52"/>
-              <a:ea typeface="PT Mono" panose="02060509020205020204" pitchFamily="49" charset="-52"/>
-            </a:endParaRPr>
           </a:p>
           <a:p>
             <a:pPr marL="363538" indent="-269875">
@@ -18376,12 +17944,8 @@
               <a:t> – </a:t>
             </a:r>
             <a:r>
-              <a:rPr lang="ru-RU" dirty="0"/>
-              <a:t>маркирует поля, которые не будут </a:t>
-            </a:r>
-            <a:r>
-              <a:rPr lang="ru-RU" dirty="0" err="1"/>
-              <a:t>сериализоваться</a:t>
+              <a:rPr lang="en-US" dirty="0" smtClean="0"/>
+              <a:t>marker for non-serializable fields</a:t>
             </a:r>
             <a:endParaRPr lang="en-US" dirty="0"/>
           </a:p>
@@ -18395,8 +17959,8 @@
               <a:t>volatile – </a:t>
             </a:r>
             <a:r>
-              <a:rPr lang="ru-RU" dirty="0"/>
-              <a:t>гарантирует атомарность операций чтения/записи</a:t>
+              <a:rPr lang="en-US" dirty="0" smtClean="0"/>
+              <a:t>guaranties atomicity of read/write operations</a:t>
             </a:r>
             <a:endParaRPr lang="en-US" dirty="0"/>
           </a:p>
@@ -18410,8 +17974,8 @@
               <a:t>synchronized – </a:t>
             </a:r>
             <a:r>
-              <a:rPr lang="ru-RU" dirty="0"/>
-              <a:t>обеспечивает синхронизацию выполнения блоков кода</a:t>
+              <a:rPr lang="en-US" dirty="0" smtClean="0"/>
+              <a:t>guaranties that block or method will be synchronized</a:t>
             </a:r>
             <a:endParaRPr lang="en-US" dirty="0"/>
           </a:p>
@@ -18425,16 +17989,8 @@
               <a:t>native – </a:t>
             </a:r>
             <a:r>
-              <a:rPr lang="ru-RU" dirty="0"/>
-              <a:t>метод реализован в </a:t>
-            </a:r>
-            <a:r>
-              <a:rPr lang="ru-RU" dirty="0" err="1"/>
-              <a:t>нативном</a:t>
-            </a:r>
-            <a:r>
-              <a:rPr lang="ru-RU" dirty="0"/>
-              <a:t> коде</a:t>
+              <a:rPr lang="en-US" dirty="0" smtClean="0"/>
+              <a:t>native code marker</a:t>
             </a:r>
             <a:endParaRPr lang="ru-RU" dirty="0"/>
           </a:p>
@@ -19569,13 +19125,6 @@
               </a:rPr>
               <a:t>   // payload </a:t>
             </a:r>
-            <a:endParaRPr lang="en-US" dirty="0" smtClean="0">
-              <a:solidFill>
-                <a:prstClr val="black"/>
-              </a:solidFill>
-              <a:latin typeface="PT Mono" panose="02060509020205020204" pitchFamily="49" charset="-52"/>
-              <a:ea typeface="PT Mono" panose="02060509020205020204" pitchFamily="49" charset="-52"/>
-            </a:endParaRPr>
           </a:p>
           <a:p>
             <a:pPr marL="363538" indent="-269875">
@@ -20352,7 +19901,7 @@
           <p:nvPr>
             <p:extLst>
               <p:ext uri="{D42A27DB-BD31-4B8C-83A1-F6EECF244321}">
-                <p14:modId xmlns:p14="http://schemas.microsoft.com/office/powerpoint/2010/main" val="1096564528"/>
+                <p14:modId xmlns:p14="http://schemas.microsoft.com/office/powerpoint/2010/main" val="3994359312"/>
               </p:ext>
             </p:extLst>
           </p:nvPr>
@@ -20461,7 +20010,7 @@
                       <a:pPr algn="ctr"/>
                       <a:r>
                         <a:rPr lang="en-US" dirty="0" smtClean="0"/>
-                        <a:t>Implement many</a:t>
+                        <a:t>implement many</a:t>
                       </a:r>
                       <a:endParaRPr lang="ru-RU" dirty="0"/>
                     </a:p>
@@ -20476,7 +20025,7 @@
                       <a:pPr algn="ctr"/>
                       <a:r>
                         <a:rPr lang="en-US" dirty="0" smtClean="0"/>
-                        <a:t> Extend</a:t>
+                        <a:t> extend</a:t>
                       </a:r>
                       <a:r>
                         <a:rPr lang="en-US" baseline="0" dirty="0" smtClean="0"/>
@@ -21155,7 +20704,7 @@
             <a:r>
               <a:rPr lang="ru-RU" sz="2400" dirty="0">
                 <a:solidFill>
-                  <a:schemeClr val="accent6"/>
+                  <a:srgbClr val="7030A0"/>
                 </a:solidFill>
                 <a:latin typeface="+mj-lt"/>
                 <a:cs typeface="Arial" panose="020B0604020202020204" pitchFamily="34" charset="0"/>
@@ -21199,10 +20748,6 @@
               </a:rPr>
               <a:t>Классы </a:t>
             </a:r>
-            <a:endParaRPr lang="ru-RU" sz="2400" dirty="0">
-              <a:latin typeface="+mj-lt"/>
-              <a:cs typeface="Arial" panose="020B0604020202020204" pitchFamily="34" charset="0"/>
-            </a:endParaRPr>
           </a:p>
         </p:txBody>
       </p:sp>
@@ -21881,7 +21426,7 @@
             <a:r>
               <a:rPr lang="ru-RU" sz="2400" dirty="0">
                 <a:solidFill>
-                  <a:schemeClr val="accent6"/>
+                  <a:srgbClr val="7030A0"/>
                 </a:solidFill>
                 <a:latin typeface="+mj-lt"/>
                 <a:cs typeface="Arial" panose="020B0604020202020204" pitchFamily="34" charset="0"/>
@@ -21913,10 +21458,6 @@
               </a:rPr>
               <a:t>Классы </a:t>
             </a:r>
-            <a:endParaRPr lang="ru-RU" sz="2400" dirty="0">
-              <a:latin typeface="+mj-lt"/>
-              <a:cs typeface="Arial" panose="020B0604020202020204" pitchFamily="34" charset="0"/>
-            </a:endParaRPr>
           </a:p>
         </p:txBody>
       </p:sp>

--- a/lecture1/presentation/lecture01.pptx
+++ b/lecture1/presentation/lecture01.pptx
@@ -5,10 +5,10 @@
     <p:sldMasterId id="2147483648" r:id="rId1"/>
   </p:sldMasterIdLst>
   <p:notesMasterIdLst>
-    <p:notesMasterId r:id="rId39"/>
+    <p:notesMasterId r:id="rId42"/>
   </p:notesMasterIdLst>
   <p:handoutMasterIdLst>
-    <p:handoutMasterId r:id="rId40"/>
+    <p:handoutMasterId r:id="rId43"/>
   </p:handoutMasterIdLst>
   <p:sldIdLst>
     <p:sldId id="256" r:id="rId2"/>
@@ -47,7 +47,10 @@
     <p:sldId id="328" r:id="rId35"/>
     <p:sldId id="329" r:id="rId36"/>
     <p:sldId id="330" r:id="rId37"/>
-    <p:sldId id="331" r:id="rId38"/>
+    <p:sldId id="337" r:id="rId38"/>
+    <p:sldId id="331" r:id="rId39"/>
+    <p:sldId id="338" r:id="rId40"/>
+    <p:sldId id="336" r:id="rId41"/>
   </p:sldIdLst>
   <p:sldSz cx="9144000" cy="5143500" type="screen16x9"/>
   <p:notesSz cx="6858000" cy="9144000"/>
@@ -21273,16 +21276,8 @@
           <a:lstStyle/>
           <a:p>
             <a:r>
-              <a:rPr lang="en-US" dirty="0"/>
-              <a:t>Java. </a:t>
-            </a:r>
-            <a:r>
-              <a:rPr lang="ru-RU" dirty="0"/>
-              <a:t>Основы </a:t>
-            </a:r>
-            <a:r>
               <a:rPr lang="ru-RU" dirty="0" smtClean="0"/>
-              <a:t>языка</a:t>
+              <a:t>Классы. Интерфейсы</a:t>
             </a:r>
             <a:endParaRPr lang="ru-RU" dirty="0"/>
           </a:p>
@@ -21366,16 +21361,8 @@
           <a:lstStyle/>
           <a:p>
             <a:r>
-              <a:rPr lang="en-US" dirty="0"/>
-              <a:t>Java. </a:t>
-            </a:r>
-            <a:r>
-              <a:rPr lang="ru-RU" dirty="0"/>
-              <a:t>Основы </a:t>
-            </a:r>
-            <a:r>
               <a:rPr lang="ru-RU" dirty="0" smtClean="0"/>
-              <a:t>языка</a:t>
+              <a:t>Классы</a:t>
             </a:r>
             <a:endParaRPr lang="ru-RU" dirty="0"/>
           </a:p>
@@ -21413,7 +21400,7 @@
           <p:nvPr>
             <p:extLst>
               <p:ext uri="{D42A27DB-BD31-4B8C-83A1-F6EECF244321}">
-                <p14:modId xmlns:p14="http://schemas.microsoft.com/office/powerpoint/2010/main" val="973089940"/>
+                <p14:modId xmlns:p14="http://schemas.microsoft.com/office/powerpoint/2010/main" val="3702709833"/>
               </p:ext>
             </p:extLst>
           </p:nvPr>
@@ -21524,10 +21511,10 @@
                     <a:p>
                       <a:pPr algn="ctr"/>
                       <a:r>
-                        <a:rPr lang="en-US" sz="1600" dirty="0" smtClean="0"/>
+                        <a:rPr lang="en-US" sz="1800" b="1" dirty="0" smtClean="0"/>
                         <a:t>Inheritance</a:t>
                       </a:r>
-                      <a:endParaRPr lang="ru-RU" sz="1600" b="1" dirty="0"/>
+                      <a:endParaRPr lang="ru-RU" sz="1800" b="1" dirty="0"/>
                     </a:p>
                   </a:txBody>
                   <a:tcPr anchor="ctr"/>
@@ -21580,10 +21567,10 @@
                     <a:p>
                       <a:pPr algn="ctr"/>
                       <a:r>
-                        <a:rPr lang="en-US" sz="1600" dirty="0" smtClean="0"/>
+                        <a:rPr lang="en-US" sz="1800" b="1" dirty="0" smtClean="0"/>
                         <a:t>Fields</a:t>
                       </a:r>
-                      <a:endParaRPr lang="ru-RU" sz="1600" b="1" dirty="0"/>
+                      <a:endParaRPr lang="ru-RU" sz="1800" b="1" dirty="0"/>
                     </a:p>
                   </a:txBody>
                   <a:tcPr anchor="ctr"/>
@@ -21632,14 +21619,18 @@
                     <a:p>
                       <a:pPr algn="ctr"/>
                       <a:r>
-                        <a:rPr lang="en-US" sz="1600" dirty="0" smtClean="0"/>
+                        <a:rPr lang="en-US" sz="1800" b="1" dirty="0" smtClean="0"/>
                         <a:t>Access</a:t>
                       </a:r>
                       <a:r>
-                        <a:rPr lang="en-US" sz="1600" baseline="0" dirty="0" smtClean="0"/>
-                        <a:t> modifiers</a:t>
+                        <a:rPr lang="en-US" sz="1600" b="1" baseline="0" dirty="0" smtClean="0"/>
+                        <a:t> </a:t>
                       </a:r>
-                      <a:endParaRPr lang="ru-RU" sz="1600" b="1" dirty="0"/>
+                      <a:r>
+                        <a:rPr lang="en-US" sz="1800" b="1" baseline="0" dirty="0" smtClean="0"/>
+                        <a:t>modifiers</a:t>
+                      </a:r>
+                      <a:endParaRPr lang="ru-RU" sz="1800" b="1" dirty="0"/>
                     </a:p>
                   </a:txBody>
                   <a:tcPr anchor="ctr"/>
@@ -21692,10 +21683,10 @@
                     <a:p>
                       <a:pPr algn="ctr"/>
                       <a:r>
-                        <a:rPr lang="en-US" sz="1600" dirty="0" smtClean="0"/>
+                        <a:rPr lang="en-US" sz="1800" b="1" dirty="0" smtClean="0"/>
                         <a:t>Constructor</a:t>
                       </a:r>
-                      <a:endParaRPr lang="ru-RU" sz="1600" b="1" dirty="0"/>
+                      <a:endParaRPr lang="ru-RU" sz="1800" b="1" dirty="0"/>
                     </a:p>
                   </a:txBody>
                   <a:tcPr anchor="ctr"/>
@@ -21763,6 +21754,240 @@
 <file path=ppt/slides/slide37.xml><?xml version="1.0" encoding="utf-8"?>
 <p:sld xmlns:a="http://schemas.openxmlformats.org/drawingml/2006/main" xmlns:r="http://schemas.openxmlformats.org/officeDocument/2006/relationships" xmlns:p="http://schemas.openxmlformats.org/presentationml/2006/main">
   <p:cSld>
+    <p:spTree>
+      <p:nvGrpSpPr>
+        <p:cNvPr id="1" name=""/>
+        <p:cNvGrpSpPr/>
+        <p:nvPr/>
+      </p:nvGrpSpPr>
+      <p:grpSpPr>
+        <a:xfrm>
+          <a:off x="0" y="0"/>
+          <a:ext cx="0" cy="0"/>
+          <a:chOff x="0" y="0"/>
+          <a:chExt cx="0" cy="0"/>
+        </a:xfrm>
+      </p:grpSpPr>
+      <p:sp>
+        <p:nvSpPr>
+          <p:cNvPr id="5" name="Title 4"/>
+          <p:cNvSpPr>
+            <a:spLocks noGrp="1"/>
+          </p:cNvSpPr>
+          <p:nvPr>
+            <p:ph type="title"/>
+          </p:nvPr>
+        </p:nvSpPr>
+        <p:spPr/>
+        <p:txBody>
+          <a:bodyPr>
+            <a:normAutofit fontScale="90000"/>
+          </a:bodyPr>
+          <a:lstStyle/>
+          <a:p>
+            <a:r>
+              <a:rPr lang="en-US" dirty="0" smtClean="0"/>
+              <a:t>References</a:t>
+            </a:r>
+            <a:endParaRPr lang="ru-RU" dirty="0"/>
+          </a:p>
+        </p:txBody>
+      </p:sp>
+      <p:sp>
+        <p:nvSpPr>
+          <p:cNvPr id="2" name="Номер слайда 1"/>
+          <p:cNvSpPr>
+            <a:spLocks noGrp="1"/>
+          </p:cNvSpPr>
+          <p:nvPr>
+            <p:ph type="sldNum" sz="quarter" idx="12"/>
+          </p:nvPr>
+        </p:nvSpPr>
+        <p:spPr/>
+        <p:txBody>
+          <a:bodyPr/>
+          <a:lstStyle/>
+          <a:p>
+            <a:fld id="{756153EF-2EBA-DF40-987E-2ACCFBF5C994}" type="slidenum">
+              <a:rPr lang="ru-RU" smtClean="0"/>
+              <a:t>37</a:t>
+            </a:fld>
+            <a:endParaRPr lang="ru-RU" dirty="0"/>
+          </a:p>
+        </p:txBody>
+      </p:sp>
+      <p:sp>
+        <p:nvSpPr>
+          <p:cNvPr id="4" name="TextBox 3"/>
+          <p:cNvSpPr txBox="1"/>
+          <p:nvPr/>
+        </p:nvSpPr>
+        <p:spPr>
+          <a:xfrm>
+            <a:off x="351183" y="1245704"/>
+            <a:ext cx="8442247" cy="2585323"/>
+          </a:xfrm>
+          <a:prstGeom prst="rect">
+            <a:avLst/>
+          </a:prstGeom>
+          <a:noFill/>
+        </p:spPr>
+        <p:txBody>
+          <a:bodyPr wrap="none" rtlCol="0">
+            <a:spAutoFit/>
+          </a:bodyPr>
+          <a:lstStyle/>
+          <a:p>
+            <a:pPr marL="285750" indent="-285750">
+              <a:buFont typeface="Arial" panose="020B0604020202020204" pitchFamily="34" charset="0"/>
+              <a:buChar char="•"/>
+            </a:pPr>
+            <a:r>
+              <a:rPr lang="en-US" dirty="0" smtClean="0"/>
+              <a:t>Official documentation </a:t>
+            </a:r>
+            <a:r>
+              <a:rPr lang="en-US" dirty="0">
+                <a:hlinkClick r:id="rId2"/>
+              </a:rPr>
+              <a:t>https://docs.oracle.com/javase/8/docs/</a:t>
+            </a:r>
+            <a:endParaRPr lang="en-US" dirty="0"/>
+          </a:p>
+          <a:p>
+            <a:endParaRPr lang="en-US" dirty="0" smtClean="0"/>
+          </a:p>
+          <a:p>
+            <a:pPr marL="285750" indent="-285750">
+              <a:buFont typeface="Arial" panose="020B0604020202020204" pitchFamily="34" charset="0"/>
+              <a:buChar char="•"/>
+            </a:pPr>
+            <a:r>
+              <a:rPr lang="en-US" dirty="0" smtClean="0"/>
+              <a:t>JDK internals </a:t>
+            </a:r>
+          </a:p>
+          <a:p>
+            <a:r>
+              <a:rPr lang="en-US" dirty="0" smtClean="0">
+                <a:hlinkClick r:id="rId3"/>
+              </a:rPr>
+              <a:t>http</a:t>
+            </a:r>
+            <a:r>
+              <a:rPr lang="en-US" dirty="0">
+                <a:hlinkClick r:id="rId3"/>
+              </a:rPr>
+              <a:t>://grepcode.com/snapshot/repository.grepcode.com/java/root/jdk/openjdk/8-b132</a:t>
+            </a:r>
+            <a:endParaRPr lang="en-US" dirty="0"/>
+          </a:p>
+          <a:p>
+            <a:pPr marL="285750" indent="-285750">
+              <a:buFont typeface="Arial" panose="020B0604020202020204" pitchFamily="34" charset="0"/>
+              <a:buChar char="•"/>
+            </a:pPr>
+            <a:endParaRPr lang="en-US" dirty="0"/>
+          </a:p>
+          <a:p>
+            <a:pPr marL="285750" indent="-285750">
+              <a:buFont typeface="Arial" panose="020B0604020202020204" pitchFamily="34" charset="0"/>
+              <a:buChar char="•"/>
+            </a:pPr>
+            <a:r>
+              <a:rPr lang="en-US" dirty="0" smtClean="0"/>
+              <a:t>Maven </a:t>
+            </a:r>
+            <a:r>
+              <a:rPr lang="en-US" dirty="0"/>
+              <a:t>package </a:t>
+            </a:r>
+            <a:r>
+              <a:rPr lang="en-US" dirty="0" smtClean="0"/>
+              <a:t>storage </a:t>
+            </a:r>
+            <a:r>
+              <a:rPr lang="en-US" dirty="0">
+                <a:hlinkClick r:id="rId4"/>
+              </a:rPr>
+              <a:t>http://search.maven.org</a:t>
+            </a:r>
+            <a:r>
+              <a:rPr lang="en-US" dirty="0" smtClean="0">
+                <a:hlinkClick r:id="rId4"/>
+              </a:rPr>
+              <a:t>/</a:t>
+            </a:r>
+            <a:endParaRPr lang="en-US" dirty="0" smtClean="0"/>
+          </a:p>
+          <a:p>
+            <a:pPr marL="285750" indent="-285750">
+              <a:buFont typeface="Arial" panose="020B0604020202020204" pitchFamily="34" charset="0"/>
+              <a:buChar char="•"/>
+            </a:pPr>
+            <a:endParaRPr lang="en-US" dirty="0"/>
+          </a:p>
+          <a:p>
+            <a:pPr marL="285750" indent="-285750">
+              <a:buFont typeface="Arial" panose="020B0604020202020204" pitchFamily="34" charset="0"/>
+              <a:buChar char="•"/>
+            </a:pPr>
+            <a:r>
+              <a:rPr lang="en-US" dirty="0"/>
+              <a:t>Thinking in java </a:t>
+            </a:r>
+            <a:endParaRPr lang="en-US" dirty="0" smtClean="0"/>
+          </a:p>
+          <a:p>
+            <a:r>
+              <a:rPr lang="en-US" dirty="0" smtClean="0">
+                <a:hlinkClick r:id="rId5"/>
+              </a:rPr>
+              <a:t>https</a:t>
+            </a:r>
+            <a:r>
+              <a:rPr lang="en-US" dirty="0">
+                <a:hlinkClick r:id="rId5"/>
+              </a:rPr>
+              <a:t>://</a:t>
+            </a:r>
+            <a:r>
+              <a:rPr lang="en-US" dirty="0" smtClean="0">
+                <a:hlinkClick r:id="rId5"/>
+              </a:rPr>
+              <a:t>www.amazon.com/Thinking-Java-4th-Bruce-Eckel/dp/0131872486</a:t>
+            </a:r>
+            <a:r>
+              <a:rPr lang="en-US" dirty="0" smtClean="0"/>
+              <a:t> </a:t>
+            </a:r>
+            <a:endParaRPr lang="ru-RU" dirty="0"/>
+          </a:p>
+        </p:txBody>
+      </p:sp>
+    </p:spTree>
+    <p:extLst>
+      <p:ext uri="{BB962C8B-B14F-4D97-AF65-F5344CB8AC3E}">
+        <p14:creationId xmlns:p14="http://schemas.microsoft.com/office/powerpoint/2010/main" val="197349319"/>
+      </p:ext>
+    </p:extLst>
+  </p:cSld>
+  <p:clrMapOvr>
+    <a:masterClrMapping/>
+  </p:clrMapOvr>
+  <p:timing>
+    <p:tnLst>
+      <p:par>
+        <p:cTn id="1" dur="indefinite" restart="never" nodeType="tmRoot"/>
+      </p:par>
+    </p:tnLst>
+  </p:timing>
+</p:sld>
+</file>
+
+<file path=ppt/slides/slide38.xml><?xml version="1.0" encoding="utf-8"?>
+<p:sld xmlns:a="http://schemas.openxmlformats.org/drawingml/2006/main" xmlns:r="http://schemas.openxmlformats.org/officeDocument/2006/relationships" xmlns:p="http://schemas.openxmlformats.org/presentationml/2006/main">
+  <p:cSld>
     <p:bg>
       <p:bgPr>
         <a:blipFill dpi="0" rotWithShape="1">
@@ -21930,6 +22155,284 @@
     <p:extLst>
       <p:ext uri="{BB962C8B-B14F-4D97-AF65-F5344CB8AC3E}">
         <p14:creationId xmlns:p14="http://schemas.microsoft.com/office/powerpoint/2010/main" val="3719236274"/>
+      </p:ext>
+    </p:extLst>
+  </p:cSld>
+  <p:clrMapOvr>
+    <a:masterClrMapping/>
+  </p:clrMapOvr>
+  <p:timing>
+    <p:tnLst>
+      <p:par>
+        <p:cTn id="1" dur="indefinite" restart="never" nodeType="tmRoot"/>
+      </p:par>
+    </p:tnLst>
+  </p:timing>
+</p:sld>
+</file>
+
+<file path=ppt/slides/slide39.xml><?xml version="1.0" encoding="utf-8"?>
+<p:sld xmlns:a="http://schemas.openxmlformats.org/drawingml/2006/main" xmlns:r="http://schemas.openxmlformats.org/officeDocument/2006/relationships" xmlns:p="http://schemas.openxmlformats.org/presentationml/2006/main">
+  <p:cSld>
+    <p:spTree>
+      <p:nvGrpSpPr>
+        <p:cNvPr id="1" name=""/>
+        <p:cNvGrpSpPr/>
+        <p:nvPr/>
+      </p:nvGrpSpPr>
+      <p:grpSpPr>
+        <a:xfrm>
+          <a:off x="0" y="0"/>
+          <a:ext cx="0" cy="0"/>
+          <a:chOff x="0" y="0"/>
+          <a:chExt cx="0" cy="0"/>
+        </a:xfrm>
+      </p:grpSpPr>
+      <p:sp>
+        <p:nvSpPr>
+          <p:cNvPr id="3" name="Title 2"/>
+          <p:cNvSpPr>
+            <a:spLocks noGrp="1"/>
+          </p:cNvSpPr>
+          <p:nvPr>
+            <p:ph type="title"/>
+          </p:nvPr>
+        </p:nvSpPr>
+        <p:spPr/>
+        <p:txBody>
+          <a:bodyPr>
+            <a:normAutofit fontScale="90000"/>
+          </a:bodyPr>
+          <a:lstStyle/>
+          <a:p>
+            <a:r>
+              <a:rPr lang="en-US" dirty="0" smtClean="0"/>
+              <a:t>Setup. Java</a:t>
+            </a:r>
+            <a:endParaRPr lang="ru-RU" dirty="0"/>
+          </a:p>
+        </p:txBody>
+      </p:sp>
+      <p:sp>
+        <p:nvSpPr>
+          <p:cNvPr id="2" name="Номер слайда 1"/>
+          <p:cNvSpPr>
+            <a:spLocks noGrp="1"/>
+          </p:cNvSpPr>
+          <p:nvPr>
+            <p:ph type="sldNum" sz="quarter" idx="12"/>
+          </p:nvPr>
+        </p:nvSpPr>
+        <p:spPr/>
+        <p:txBody>
+          <a:bodyPr/>
+          <a:lstStyle/>
+          <a:p>
+            <a:fld id="{756153EF-2EBA-DF40-987E-2ACCFBF5C994}" type="slidenum">
+              <a:rPr lang="ru-RU" smtClean="0"/>
+              <a:t>39</a:t>
+            </a:fld>
+            <a:endParaRPr lang="ru-RU" dirty="0"/>
+          </a:p>
+        </p:txBody>
+      </p:sp>
+      <p:sp>
+        <p:nvSpPr>
+          <p:cNvPr id="4" name="TextBox 3"/>
+          <p:cNvSpPr txBox="1"/>
+          <p:nvPr/>
+        </p:nvSpPr>
+        <p:spPr>
+          <a:xfrm>
+            <a:off x="457200" y="1325216"/>
+            <a:ext cx="7321826" cy="3570208"/>
+          </a:xfrm>
+          <a:prstGeom prst="rect">
+            <a:avLst/>
+          </a:prstGeom>
+          <a:noFill/>
+        </p:spPr>
+        <p:txBody>
+          <a:bodyPr wrap="square" rtlCol="0">
+            <a:spAutoFit/>
+          </a:bodyPr>
+          <a:lstStyle/>
+          <a:p>
+            <a:r>
+              <a:rPr lang="en-US" dirty="0" smtClean="0"/>
+              <a:t>download:</a:t>
+            </a:r>
+          </a:p>
+          <a:p>
+            <a:r>
+              <a:rPr lang="en-US" dirty="0">
+                <a:hlinkClick r:id="rId2"/>
+              </a:rPr>
+              <a:t>http://www.oracle.com/technetwork/java/javase/downloads/jdk8-downloads-2133151.html</a:t>
+            </a:r>
+            <a:endParaRPr lang="en-US" dirty="0"/>
+          </a:p>
+          <a:p>
+            <a:endParaRPr lang="en-US" dirty="0" smtClean="0"/>
+          </a:p>
+          <a:p>
+            <a:r>
+              <a:rPr lang="en-US" dirty="0" smtClean="0"/>
+              <a:t>install</a:t>
+            </a:r>
+          </a:p>
+          <a:p>
+            <a:endParaRPr lang="en-US" dirty="0" smtClean="0"/>
+          </a:p>
+          <a:p>
+            <a:r>
+              <a:rPr lang="en-US" dirty="0" smtClean="0"/>
+              <a:t>set </a:t>
+            </a:r>
+            <a:r>
+              <a:rPr lang="en-US" dirty="0" smtClean="0">
+                <a:solidFill>
+                  <a:schemeClr val="accent4"/>
+                </a:solidFill>
+              </a:rPr>
+              <a:t>JAVA_HOME</a:t>
+            </a:r>
+            <a:r>
+              <a:rPr lang="en-US" dirty="0" smtClean="0"/>
+              <a:t> variable</a:t>
+            </a:r>
+          </a:p>
+          <a:p>
+            <a:r>
+              <a:rPr lang="en-US" sz="2000" dirty="0" smtClean="0">
+                <a:solidFill>
+                  <a:schemeClr val="accent4"/>
+                </a:solidFill>
+              </a:rPr>
+              <a:t>w</a:t>
+            </a:r>
+            <a:r>
+              <a:rPr lang="en-US" sz="1400" dirty="0" smtClean="0"/>
+              <a:t>:  edit system variable                                             </a:t>
+            </a:r>
+          </a:p>
+          <a:p>
+            <a:r>
+              <a:rPr lang="en-US" sz="1400" dirty="0">
+                <a:hlinkClick r:id="rId3"/>
+              </a:rPr>
+              <a:t>https://confluence.atlassian.com/doc/setting-the-java_home-variable-in-windows-8895.html</a:t>
+            </a:r>
+            <a:endParaRPr lang="en-US" sz="1400" dirty="0"/>
+          </a:p>
+          <a:p>
+            <a:endParaRPr lang="en-US" sz="1400" dirty="0" smtClean="0"/>
+          </a:p>
+          <a:p>
+            <a:r>
+              <a:rPr lang="en-US" sz="2000" dirty="0" smtClean="0">
+                <a:solidFill>
+                  <a:schemeClr val="accent4"/>
+                </a:solidFill>
+              </a:rPr>
+              <a:t>u</a:t>
+            </a:r>
+            <a:r>
+              <a:rPr lang="en-US" sz="1400" dirty="0" smtClean="0"/>
+              <a:t>: </a:t>
+            </a:r>
+            <a:r>
+              <a:rPr lang="en-US" sz="1400" dirty="0" err="1">
+                <a:latin typeface="PT Mono"/>
+              </a:rPr>
+              <a:t>nano</a:t>
+            </a:r>
+            <a:r>
+              <a:rPr lang="en-US" sz="1400" dirty="0">
+                <a:latin typeface="PT Mono"/>
+              </a:rPr>
+              <a:t> ~./ </a:t>
+            </a:r>
+            <a:r>
+              <a:rPr lang="en-US" sz="1400" dirty="0" err="1" smtClean="0">
+                <a:latin typeface="PT Mono"/>
+              </a:rPr>
+              <a:t>bash_profile</a:t>
+            </a:r>
+            <a:r>
+              <a:rPr lang="en-US" sz="1400" dirty="0" smtClean="0"/>
+              <a:t> </a:t>
+            </a:r>
+          </a:p>
+          <a:p>
+            <a:r>
+              <a:rPr lang="en-US" sz="1400" dirty="0" smtClean="0"/>
+              <a:t>      </a:t>
+            </a:r>
+            <a:r>
+              <a:rPr lang="en-US" sz="1400" dirty="0" smtClean="0">
+                <a:latin typeface="PT Mono"/>
+              </a:rPr>
+              <a:t>export JAVA_HOME $(`/</a:t>
+            </a:r>
+            <a:r>
+              <a:rPr lang="en-US" sz="1400" dirty="0" err="1" smtClean="0">
+                <a:latin typeface="PT Mono"/>
+              </a:rPr>
+              <a:t>usr</a:t>
+            </a:r>
+            <a:r>
+              <a:rPr lang="en-US" sz="1400" dirty="0" smtClean="0">
+                <a:latin typeface="PT Mono"/>
+              </a:rPr>
+              <a:t>/</a:t>
+            </a:r>
+            <a:r>
+              <a:rPr lang="en-US" sz="1400" dirty="0" err="1" smtClean="0">
+                <a:latin typeface="PT Mono"/>
+              </a:rPr>
+              <a:t>libexec</a:t>
+            </a:r>
+            <a:r>
+              <a:rPr lang="en-US" sz="1400" dirty="0" smtClean="0">
+                <a:latin typeface="PT Mono"/>
+              </a:rPr>
+              <a:t>/</a:t>
+            </a:r>
+            <a:r>
+              <a:rPr lang="en-US" sz="1400" dirty="0" err="1" smtClean="0">
+                <a:latin typeface="PT Mono"/>
+              </a:rPr>
+              <a:t>java_home</a:t>
+            </a:r>
+            <a:r>
+              <a:rPr lang="en-US" sz="1400" dirty="0" smtClean="0">
+                <a:latin typeface="PT Mono"/>
+              </a:rPr>
+              <a:t>`)</a:t>
+            </a:r>
+          </a:p>
+          <a:p>
+            <a:r>
+              <a:rPr lang="en-US" dirty="0" smtClean="0"/>
+              <a:t>java </a:t>
+            </a:r>
+            <a:r>
+              <a:rPr lang="en-US" dirty="0"/>
+              <a:t>--</a:t>
+            </a:r>
+            <a:r>
+              <a:rPr lang="en-US" dirty="0" smtClean="0"/>
+              <a:t>version</a:t>
+            </a:r>
+            <a:endParaRPr lang="en-US" dirty="0"/>
+          </a:p>
+        </p:txBody>
+      </p:sp>
+    </p:spTree>
+    <p:extLst>
+      <p:ext uri="{BB962C8B-B14F-4D97-AF65-F5344CB8AC3E}">
+        <p14:creationId xmlns:p14="http://schemas.microsoft.com/office/powerpoint/2010/main" val="2984842811"/>
       </p:ext>
     </p:extLst>
   </p:cSld>
@@ -22497,6 +23000,295 @@
     <p:extLst>
       <p:ext uri="{BB962C8B-B14F-4D97-AF65-F5344CB8AC3E}">
         <p14:creationId xmlns:p14="http://schemas.microsoft.com/office/powerpoint/2010/main" val="515413220"/>
+      </p:ext>
+    </p:extLst>
+  </p:cSld>
+  <p:clrMapOvr>
+    <a:masterClrMapping/>
+  </p:clrMapOvr>
+  <p:timing>
+    <p:tnLst>
+      <p:par>
+        <p:cTn id="1" dur="indefinite" restart="never" nodeType="tmRoot"/>
+      </p:par>
+    </p:tnLst>
+  </p:timing>
+</p:sld>
+</file>
+
+<file path=ppt/slides/slide40.xml><?xml version="1.0" encoding="utf-8"?>
+<p:sld xmlns:a="http://schemas.openxmlformats.org/drawingml/2006/main" xmlns:r="http://schemas.openxmlformats.org/officeDocument/2006/relationships" xmlns:p="http://schemas.openxmlformats.org/presentationml/2006/main">
+  <p:cSld>
+    <p:spTree>
+      <p:nvGrpSpPr>
+        <p:cNvPr id="1" name=""/>
+        <p:cNvGrpSpPr/>
+        <p:nvPr/>
+      </p:nvGrpSpPr>
+      <p:grpSpPr>
+        <a:xfrm>
+          <a:off x="0" y="0"/>
+          <a:ext cx="0" cy="0"/>
+          <a:chOff x="0" y="0"/>
+          <a:chExt cx="0" cy="0"/>
+        </a:xfrm>
+      </p:grpSpPr>
+      <p:sp>
+        <p:nvSpPr>
+          <p:cNvPr id="3" name="Title 2"/>
+          <p:cNvSpPr>
+            <a:spLocks noGrp="1"/>
+          </p:cNvSpPr>
+          <p:nvPr>
+            <p:ph type="title"/>
+          </p:nvPr>
+        </p:nvSpPr>
+        <p:spPr/>
+        <p:txBody>
+          <a:bodyPr>
+            <a:normAutofit fontScale="90000"/>
+          </a:bodyPr>
+          <a:lstStyle/>
+          <a:p>
+            <a:r>
+              <a:rPr lang="en-US" dirty="0" smtClean="0"/>
+              <a:t>Setup. Maven</a:t>
+            </a:r>
+            <a:endParaRPr lang="ru-RU" dirty="0"/>
+          </a:p>
+        </p:txBody>
+      </p:sp>
+      <p:sp>
+        <p:nvSpPr>
+          <p:cNvPr id="2" name="Номер слайда 1"/>
+          <p:cNvSpPr>
+            <a:spLocks noGrp="1"/>
+          </p:cNvSpPr>
+          <p:nvPr>
+            <p:ph type="sldNum" sz="quarter" idx="12"/>
+          </p:nvPr>
+        </p:nvSpPr>
+        <p:spPr/>
+        <p:txBody>
+          <a:bodyPr/>
+          <a:lstStyle/>
+          <a:p>
+            <a:fld id="{756153EF-2EBA-DF40-987E-2ACCFBF5C994}" type="slidenum">
+              <a:rPr lang="ru-RU" smtClean="0"/>
+              <a:t>40</a:t>
+            </a:fld>
+            <a:endParaRPr lang="ru-RU" dirty="0"/>
+          </a:p>
+        </p:txBody>
+      </p:sp>
+      <p:sp>
+        <p:nvSpPr>
+          <p:cNvPr id="4" name="TextBox 3"/>
+          <p:cNvSpPr txBox="1"/>
+          <p:nvPr/>
+        </p:nvSpPr>
+        <p:spPr>
+          <a:xfrm>
+            <a:off x="457200" y="1172816"/>
+            <a:ext cx="7321826" cy="4308872"/>
+          </a:xfrm>
+          <a:prstGeom prst="rect">
+            <a:avLst/>
+          </a:prstGeom>
+          <a:noFill/>
+        </p:spPr>
+        <p:txBody>
+          <a:bodyPr wrap="square" rtlCol="0">
+            <a:spAutoFit/>
+          </a:bodyPr>
+          <a:lstStyle/>
+          <a:p>
+            <a:r>
+              <a:rPr lang="en-US" dirty="0" smtClean="0"/>
+              <a:t>download:</a:t>
+            </a:r>
+          </a:p>
+          <a:p>
+            <a:r>
+              <a:rPr lang="en-US" dirty="0">
+                <a:hlinkClick r:id="rId2"/>
+              </a:rPr>
+              <a:t>http://www.oracle.com/technetwork/java/javase/downloads/jdk8-downloads-2133151.html</a:t>
+            </a:r>
+            <a:endParaRPr lang="en-US" dirty="0"/>
+          </a:p>
+          <a:p>
+            <a:endParaRPr lang="en-US" dirty="0" smtClean="0"/>
+          </a:p>
+          <a:p>
+            <a:r>
+              <a:rPr lang="en-US" dirty="0" smtClean="0"/>
+              <a:t>install</a:t>
+            </a:r>
+          </a:p>
+          <a:p>
+            <a:endParaRPr lang="en-US" dirty="0" smtClean="0"/>
+          </a:p>
+          <a:p>
+            <a:r>
+              <a:rPr lang="en-US" dirty="0" smtClean="0"/>
+              <a:t>set </a:t>
+            </a:r>
+            <a:r>
+              <a:rPr lang="en-US" dirty="0">
+                <a:solidFill>
+                  <a:schemeClr val="accent4"/>
+                </a:solidFill>
+              </a:rPr>
+              <a:t>MAVEN_HOME</a:t>
+            </a:r>
+            <a:r>
+              <a:rPr lang="en-US" dirty="0" smtClean="0"/>
+              <a:t> and </a:t>
+            </a:r>
+            <a:r>
+              <a:rPr lang="en-US" dirty="0" smtClean="0">
+                <a:solidFill>
+                  <a:schemeClr val="accent4"/>
+                </a:solidFill>
+              </a:rPr>
+              <a:t>M2_HOME</a:t>
+            </a:r>
+            <a:r>
+              <a:rPr lang="en-US" dirty="0" smtClean="0"/>
+              <a:t> variable</a:t>
+            </a:r>
+          </a:p>
+          <a:p>
+            <a:r>
+              <a:rPr lang="en-US" sz="2000" dirty="0" smtClean="0">
+                <a:solidFill>
+                  <a:schemeClr val="accent4"/>
+                </a:solidFill>
+              </a:rPr>
+              <a:t>w</a:t>
+            </a:r>
+            <a:r>
+              <a:rPr lang="en-US" sz="1400" dirty="0" smtClean="0"/>
+              <a:t>: edit system variable                                             </a:t>
+            </a:r>
+          </a:p>
+          <a:p>
+            <a:r>
+              <a:rPr lang="en-US" sz="2000" dirty="0" smtClean="0">
+                <a:solidFill>
+                  <a:schemeClr val="accent4"/>
+                </a:solidFill>
+              </a:rPr>
+              <a:t>u</a:t>
+            </a:r>
+            <a:r>
+              <a:rPr lang="en-US" sz="1400" dirty="0" smtClean="0"/>
+              <a:t>: </a:t>
+            </a:r>
+            <a:r>
+              <a:rPr lang="en-US" sz="1400" dirty="0" err="1" smtClean="0">
+                <a:latin typeface="PT Mono"/>
+              </a:rPr>
+              <a:t>nano</a:t>
+            </a:r>
+            <a:r>
+              <a:rPr lang="en-US" sz="1400" dirty="0" smtClean="0">
+                <a:latin typeface="PT Mono"/>
+              </a:rPr>
+              <a:t> </a:t>
+            </a:r>
+            <a:r>
+              <a:rPr lang="en-US" sz="1400" dirty="0">
+                <a:latin typeface="PT Mono"/>
+              </a:rPr>
+              <a:t>~./ </a:t>
+            </a:r>
+            <a:r>
+              <a:rPr lang="en-US" sz="1400" dirty="0" err="1" smtClean="0">
+                <a:latin typeface="PT Mono"/>
+              </a:rPr>
+              <a:t>bash_profile</a:t>
+            </a:r>
+            <a:endParaRPr lang="en-US" sz="1400" dirty="0">
+              <a:latin typeface="PT Mono"/>
+            </a:endParaRPr>
+          </a:p>
+          <a:p>
+            <a:r>
+              <a:rPr lang="en-US" dirty="0" smtClean="0"/>
+              <a:t>    </a:t>
+            </a:r>
+            <a:r>
+              <a:rPr lang="en-US" sz="1400" dirty="0" smtClean="0">
+                <a:latin typeface="PT Mono"/>
+              </a:rPr>
+              <a:t>export M2_HOME =  your path</a:t>
+            </a:r>
+            <a:r>
+              <a:rPr lang="en-US" dirty="0" smtClean="0">
+                <a:latin typeface="PT Mono"/>
+              </a:rPr>
+              <a:t> </a:t>
+            </a:r>
+            <a:r>
+              <a:rPr lang="en-US" dirty="0" smtClean="0"/>
+              <a:t>       or         </a:t>
+            </a:r>
+            <a:r>
+              <a:rPr lang="en-US" sz="1400" dirty="0" smtClean="0">
+                <a:latin typeface="PT Mono"/>
+              </a:rPr>
+              <a:t>brew install maven</a:t>
+            </a:r>
+            <a:endParaRPr lang="en-US" sz="1400" dirty="0">
+              <a:latin typeface="PT Mono"/>
+            </a:endParaRPr>
+          </a:p>
+          <a:p>
+            <a:endParaRPr lang="en-US" dirty="0"/>
+          </a:p>
+          <a:p>
+            <a:r>
+              <a:rPr lang="en-US" dirty="0" err="1" smtClean="0"/>
+              <a:t>mvn</a:t>
+            </a:r>
+            <a:r>
+              <a:rPr lang="en-US" dirty="0" smtClean="0"/>
+              <a:t> –version</a:t>
+            </a:r>
+          </a:p>
+          <a:p>
+            <a:endParaRPr lang="en-US" dirty="0" smtClean="0"/>
+          </a:p>
+          <a:p>
+            <a:r>
+              <a:rPr lang="en-US" dirty="0">
+                <a:hlinkClick r:id="rId3"/>
+              </a:rPr>
+              <a:t>https://habrahabr.ru/post/77382</a:t>
+            </a:r>
+            <a:r>
+              <a:rPr lang="en-US" dirty="0" smtClean="0">
+                <a:hlinkClick r:id="rId3"/>
+              </a:rPr>
+              <a:t>/</a:t>
+            </a:r>
+            <a:r>
+              <a:rPr lang="en-US" dirty="0" smtClean="0"/>
+              <a:t> </a:t>
+            </a:r>
+            <a:endParaRPr lang="en-US" dirty="0"/>
+          </a:p>
+          <a:p>
+            <a:endParaRPr lang="en-US" dirty="0"/>
+          </a:p>
+        </p:txBody>
+      </p:sp>
+    </p:spTree>
+    <p:extLst>
+      <p:ext uri="{BB962C8B-B14F-4D97-AF65-F5344CB8AC3E}">
+        <p14:creationId xmlns:p14="http://schemas.microsoft.com/office/powerpoint/2010/main" val="1596347214"/>
       </p:ext>
     </p:extLst>
   </p:cSld>
